--- a/Theory Class-Notes/Complete Syllabus and Notes/Module-5 GUI and Applet.pptx
+++ b/Theory Class-Notes/Complete Syllabus and Notes/Module-5 GUI and Applet.pptx
@@ -14,23 +14,27 @@
     <p:sldId id="520" r:id="rId8"/>
     <p:sldId id="522" r:id="rId9"/>
     <p:sldId id="523" r:id="rId10"/>
-    <p:sldId id="524" r:id="rId11"/>
-    <p:sldId id="525" r:id="rId12"/>
-    <p:sldId id="526" r:id="rId13"/>
-    <p:sldId id="527" r:id="rId14"/>
-    <p:sldId id="503" r:id="rId15"/>
-    <p:sldId id="504" r:id="rId16"/>
-    <p:sldId id="505" r:id="rId17"/>
-    <p:sldId id="506" r:id="rId18"/>
-    <p:sldId id="507" r:id="rId19"/>
-    <p:sldId id="508" r:id="rId20"/>
-    <p:sldId id="509" r:id="rId21"/>
-    <p:sldId id="510" r:id="rId22"/>
-    <p:sldId id="511" r:id="rId23"/>
-    <p:sldId id="512" r:id="rId24"/>
-    <p:sldId id="513" r:id="rId25"/>
-    <p:sldId id="514" r:id="rId26"/>
-    <p:sldId id="515" r:id="rId27"/>
+    <p:sldId id="508" r:id="rId11"/>
+    <p:sldId id="524" r:id="rId12"/>
+    <p:sldId id="525" r:id="rId13"/>
+    <p:sldId id="526" r:id="rId14"/>
+    <p:sldId id="527" r:id="rId15"/>
+    <p:sldId id="511" r:id="rId16"/>
+    <p:sldId id="509" r:id="rId17"/>
+    <p:sldId id="528" r:id="rId18"/>
+    <p:sldId id="529" r:id="rId19"/>
+    <p:sldId id="530" r:id="rId20"/>
+    <p:sldId id="531" r:id="rId21"/>
+    <p:sldId id="503" r:id="rId22"/>
+    <p:sldId id="504" r:id="rId23"/>
+    <p:sldId id="505" r:id="rId24"/>
+    <p:sldId id="506" r:id="rId25"/>
+    <p:sldId id="507" r:id="rId26"/>
+    <p:sldId id="510" r:id="rId27"/>
+    <p:sldId id="512" r:id="rId28"/>
+    <p:sldId id="513" r:id="rId29"/>
+    <p:sldId id="514" r:id="rId30"/>
+    <p:sldId id="515" r:id="rId31"/>
   </p:sldIdLst>
   <p:sldSz cx="12192000" cy="6858000"/>
   <p:notesSz cx="6858000" cy="9144000"/>
@@ -129,6 +133,11 @@
       </a:defRPr>
     </a:lvl9pPr>
   </p:defaultTextStyle>
+  <p:extLst>
+    <p:ext uri="{EFAFB233-063F-42B5-8137-9DF3F51BA10A}">
+      <p15:sldGuideLst xmlns:p15="http://schemas.microsoft.com/office/powerpoint/2012/main"/>
+    </p:ext>
+  </p:extLst>
 </p:presentation>
 </file>
 
@@ -281,7 +290,7 @@
           <a:p>
             <a:fld id="{59B9E13E-1D6B-433A-AB18-F8AB42A78FDE}" type="datetimeFigureOut">
               <a:rPr lang="en-IN" smtClean="0"/>
-              <a:t>02-10-2024</a:t>
+              <a:t>03-10-2024</a:t>
             </a:fld>
             <a:endParaRPr lang="en-IN"/>
           </a:p>
@@ -481,7 +490,7 @@
           <a:p>
             <a:fld id="{59B9E13E-1D6B-433A-AB18-F8AB42A78FDE}" type="datetimeFigureOut">
               <a:rPr lang="en-IN" smtClean="0"/>
-              <a:t>02-10-2024</a:t>
+              <a:t>03-10-2024</a:t>
             </a:fld>
             <a:endParaRPr lang="en-IN"/>
           </a:p>
@@ -691,7 +700,7 @@
           <a:p>
             <a:fld id="{59B9E13E-1D6B-433A-AB18-F8AB42A78FDE}" type="datetimeFigureOut">
               <a:rPr lang="en-IN" smtClean="0"/>
-              <a:t>02-10-2024</a:t>
+              <a:t>03-10-2024</a:t>
             </a:fld>
             <a:endParaRPr lang="en-IN"/>
           </a:p>
@@ -891,7 +900,7 @@
           <a:p>
             <a:fld id="{59B9E13E-1D6B-433A-AB18-F8AB42A78FDE}" type="datetimeFigureOut">
               <a:rPr lang="en-IN" smtClean="0"/>
-              <a:t>02-10-2024</a:t>
+              <a:t>03-10-2024</a:t>
             </a:fld>
             <a:endParaRPr lang="en-IN"/>
           </a:p>
@@ -1167,7 +1176,7 @@
           <a:p>
             <a:fld id="{59B9E13E-1D6B-433A-AB18-F8AB42A78FDE}" type="datetimeFigureOut">
               <a:rPr lang="en-IN" smtClean="0"/>
-              <a:t>02-10-2024</a:t>
+              <a:t>03-10-2024</a:t>
             </a:fld>
             <a:endParaRPr lang="en-IN"/>
           </a:p>
@@ -1435,7 +1444,7 @@
           <a:p>
             <a:fld id="{59B9E13E-1D6B-433A-AB18-F8AB42A78FDE}" type="datetimeFigureOut">
               <a:rPr lang="en-IN" smtClean="0"/>
-              <a:t>02-10-2024</a:t>
+              <a:t>03-10-2024</a:t>
             </a:fld>
             <a:endParaRPr lang="en-IN"/>
           </a:p>
@@ -1850,7 +1859,7 @@
           <a:p>
             <a:fld id="{59B9E13E-1D6B-433A-AB18-F8AB42A78FDE}" type="datetimeFigureOut">
               <a:rPr lang="en-IN" smtClean="0"/>
-              <a:t>02-10-2024</a:t>
+              <a:t>03-10-2024</a:t>
             </a:fld>
             <a:endParaRPr lang="en-IN"/>
           </a:p>
@@ -1992,7 +2001,7 @@
           <a:p>
             <a:fld id="{59B9E13E-1D6B-433A-AB18-F8AB42A78FDE}" type="datetimeFigureOut">
               <a:rPr lang="en-IN" smtClean="0"/>
-              <a:t>02-10-2024</a:t>
+              <a:t>03-10-2024</a:t>
             </a:fld>
             <a:endParaRPr lang="en-IN"/>
           </a:p>
@@ -2105,7 +2114,7 @@
           <a:p>
             <a:fld id="{59B9E13E-1D6B-433A-AB18-F8AB42A78FDE}" type="datetimeFigureOut">
               <a:rPr lang="en-IN" smtClean="0"/>
-              <a:t>02-10-2024</a:t>
+              <a:t>03-10-2024</a:t>
             </a:fld>
             <a:endParaRPr lang="en-IN"/>
           </a:p>
@@ -2418,7 +2427,7 @@
           <a:p>
             <a:fld id="{59B9E13E-1D6B-433A-AB18-F8AB42A78FDE}" type="datetimeFigureOut">
               <a:rPr lang="en-IN" smtClean="0"/>
-              <a:t>02-10-2024</a:t>
+              <a:t>03-10-2024</a:t>
             </a:fld>
             <a:endParaRPr lang="en-IN"/>
           </a:p>
@@ -2707,7 +2716,7 @@
           <a:p>
             <a:fld id="{59B9E13E-1D6B-433A-AB18-F8AB42A78FDE}" type="datetimeFigureOut">
               <a:rPr lang="en-IN" smtClean="0"/>
-              <a:t>02-10-2024</a:t>
+              <a:t>03-10-2024</a:t>
             </a:fld>
             <a:endParaRPr lang="en-IN"/>
           </a:p>
@@ -2950,7 +2959,7 @@
           <a:p>
             <a:fld id="{59B9E13E-1D6B-433A-AB18-F8AB42A78FDE}" type="datetimeFigureOut">
               <a:rPr lang="en-IN" smtClean="0"/>
-              <a:t>02-10-2024</a:t>
+              <a:t>03-10-2024</a:t>
             </a:fld>
             <a:endParaRPr lang="en-IN"/>
           </a:p>
@@ -3487,228 +3496,9 @@
         </p:spPr>
         <p:txBody>
           <a:bodyPr>
-            <a:normAutofit fontScale="77500" lnSpcReduction="20000"/>
+            <a:normAutofit/>
           </a:bodyPr>
           <a:lstStyle/>
-          <a:p>
-            <a:pPr marL="0" indent="0">
-              <a:buNone/>
-            </a:pPr>
-            <a:r>
-              <a:rPr lang="en-US" b="1" dirty="0"/>
-              <a:t>Top-Level Containers</a:t>
-            </a:r>
-          </a:p>
-          <a:p>
-            <a:pPr marL="514350" indent="-514350">
-              <a:buFont typeface="+mj-lt"/>
-              <a:buAutoNum type="arabicPeriod"/>
-            </a:pPr>
-            <a:r>
-              <a:rPr lang="en-US" dirty="0" err="1"/>
-              <a:t>JFrame</a:t>
-            </a:r>
-            <a:r>
-              <a:rPr lang="en-US" dirty="0"/>
-              <a:t> (</a:t>
-            </a:r>
-            <a:r>
-              <a:rPr lang="en-US" b="1" dirty="0"/>
-              <a:t>extends</a:t>
-            </a:r>
-            <a:r>
-              <a:rPr lang="en-US" dirty="0"/>
-              <a:t> </a:t>
-            </a:r>
-            <a:r>
-              <a:rPr lang="en-US" b="1" dirty="0">
-                <a:solidFill>
-                  <a:srgbClr val="C00000"/>
-                </a:solidFill>
-              </a:rPr>
-              <a:t>Frame</a:t>
-            </a:r>
-            <a:r>
-              <a:rPr lang="en-US" dirty="0"/>
-              <a:t>):</a:t>
-            </a:r>
-          </a:p>
-          <a:p>
-            <a:pPr marL="0" indent="0">
-              <a:buNone/>
-            </a:pPr>
-            <a:r>
-              <a:rPr lang="en-US" dirty="0"/>
-              <a:t>A top-level window that contains the main application window.</a:t>
-            </a:r>
-          </a:p>
-          <a:p>
-            <a:pPr marL="0" indent="0">
-              <a:buNone/>
-            </a:pPr>
-            <a:endParaRPr lang="en-US" dirty="0"/>
-          </a:p>
-          <a:p>
-            <a:pPr marL="0" indent="0">
-              <a:buNone/>
-            </a:pPr>
-            <a:r>
-              <a:rPr lang="en-US" b="1" dirty="0"/>
-              <a:t>2. </a:t>
-            </a:r>
-            <a:r>
-              <a:rPr lang="en-US" b="1" dirty="0" err="1"/>
-              <a:t>JDialog</a:t>
-            </a:r>
-            <a:r>
-              <a:rPr lang="en-US" b="1" dirty="0"/>
-              <a:t> (extends </a:t>
-            </a:r>
-            <a:r>
-              <a:rPr lang="en-US" b="1" dirty="0">
-                <a:solidFill>
-                  <a:srgbClr val="C00000"/>
-                </a:solidFill>
-              </a:rPr>
-              <a:t>Dialog</a:t>
-            </a:r>
-            <a:r>
-              <a:rPr lang="en-US" b="1" dirty="0"/>
-              <a:t>):</a:t>
-            </a:r>
-            <a:endParaRPr lang="en-US" dirty="0"/>
-          </a:p>
-          <a:p>
-            <a:pPr marL="0" indent="0">
-              <a:buNone/>
-            </a:pPr>
-            <a:r>
-              <a:rPr lang="en-US" dirty="0"/>
-              <a:t>A pop-up window for user interaction (e.g., confirmation dialogs).</a:t>
-            </a:r>
-          </a:p>
-          <a:p>
-            <a:pPr marL="0" indent="0">
-              <a:buNone/>
-            </a:pPr>
-            <a:endParaRPr lang="en-US" dirty="0"/>
-          </a:p>
-          <a:p>
-            <a:pPr marL="0" indent="0">
-              <a:buNone/>
-            </a:pPr>
-            <a:r>
-              <a:rPr lang="en-US" b="1" dirty="0"/>
-              <a:t>3. </a:t>
-            </a:r>
-            <a:r>
-              <a:rPr lang="en-US" b="1" dirty="0" err="1"/>
-              <a:t>JWindow</a:t>
-            </a:r>
-            <a:r>
-              <a:rPr lang="en-US" b="1" dirty="0"/>
-              <a:t> (extends </a:t>
-            </a:r>
-            <a:r>
-              <a:rPr lang="en-US" b="1" dirty="0">
-                <a:solidFill>
-                  <a:srgbClr val="C00000"/>
-                </a:solidFill>
-              </a:rPr>
-              <a:t>Window</a:t>
-            </a:r>
-            <a:r>
-              <a:rPr lang="en-US" b="1" dirty="0"/>
-              <a:t>)</a:t>
-            </a:r>
-            <a:endParaRPr lang="en-US" dirty="0"/>
-          </a:p>
-          <a:p>
-            <a:pPr marL="0" indent="0">
-              <a:buNone/>
-            </a:pPr>
-            <a:r>
-              <a:rPr lang="en-US" dirty="0"/>
-              <a:t>A window without any borders or title bar.</a:t>
-            </a:r>
-          </a:p>
-          <a:p>
-            <a:pPr marL="0" indent="0">
-              <a:buNone/>
-            </a:pPr>
-            <a:endParaRPr lang="en-US" dirty="0"/>
-          </a:p>
-          <a:p>
-            <a:pPr marL="0" indent="0">
-              <a:buNone/>
-            </a:pPr>
-            <a:r>
-              <a:rPr lang="en-US" b="1" dirty="0"/>
-              <a:t>4. </a:t>
-            </a:r>
-            <a:r>
-              <a:rPr lang="en-US" b="1" dirty="0" err="1"/>
-              <a:t>JApplet</a:t>
-            </a:r>
-            <a:r>
-              <a:rPr lang="en-US" b="1" dirty="0"/>
-              <a:t> (extends </a:t>
-            </a:r>
-            <a:r>
-              <a:rPr lang="en-US" b="1" dirty="0">
-                <a:solidFill>
-                  <a:srgbClr val="C00000"/>
-                </a:solidFill>
-              </a:rPr>
-              <a:t>Applet</a:t>
-            </a:r>
-            <a:r>
-              <a:rPr lang="en-US" b="1" dirty="0"/>
-              <a:t>):</a:t>
-            </a:r>
-            <a:endParaRPr lang="en-US" dirty="0"/>
-          </a:p>
-          <a:p>
-            <a:pPr marL="0" indent="0">
-              <a:buNone/>
-            </a:pPr>
-            <a:r>
-              <a:rPr lang="en-US" dirty="0"/>
-              <a:t>A container for applets, used in embedding GUI components in web browsers.</a:t>
-            </a:r>
-          </a:p>
-          <a:p>
-            <a:pPr marL="0" indent="0">
-              <a:buNone/>
-            </a:pPr>
-            <a:endParaRPr lang="en-US" dirty="0"/>
-          </a:p>
-          <a:p>
-            <a:pPr marL="0" indent="0">
-              <a:buNone/>
-            </a:pPr>
-            <a:r>
-              <a:rPr lang="en-US" b="1" dirty="0"/>
-              <a:t>5. </a:t>
-            </a:r>
-            <a:r>
-              <a:rPr lang="en-US" b="1" dirty="0" err="1"/>
-              <a:t>JToolBar</a:t>
-            </a:r>
-            <a:r>
-              <a:rPr lang="en-US" b="1" dirty="0"/>
-              <a:t>:</a:t>
-            </a:r>
-          </a:p>
-          <a:p>
-            <a:pPr marL="0" indent="0">
-              <a:buNone/>
-            </a:pPr>
-            <a:r>
-              <a:rPr lang="en-US" dirty="0"/>
-              <a:t>Provides a set of actions or controls, often used for creating toolbars.</a:t>
-            </a:r>
-          </a:p>
           <a:p>
             <a:pPr marL="0" indent="0">
               <a:buNone/>
@@ -3720,7 +3510,7 @@
     </p:spTree>
     <p:extLst>
       <p:ext uri="{BB962C8B-B14F-4D97-AF65-F5344CB8AC3E}">
-        <p14:creationId xmlns:p14="http://schemas.microsoft.com/office/powerpoint/2010/main" val="924332043"/>
+        <p14:creationId xmlns:p14="http://schemas.microsoft.com/office/powerpoint/2010/main" val="3141728345"/>
       </p:ext>
     </p:extLst>
   </p:cSld>
@@ -3771,6 +3561,290 @@
         </p:spPr>
         <p:txBody>
           <a:bodyPr>
+            <a:normAutofit fontScale="77500" lnSpcReduction="20000"/>
+          </a:bodyPr>
+          <a:lstStyle/>
+          <a:p>
+            <a:pPr marL="0" indent="0">
+              <a:buNone/>
+            </a:pPr>
+            <a:r>
+              <a:rPr lang="en-US" b="1" dirty="0"/>
+              <a:t>Top-Level Containers</a:t>
+            </a:r>
+          </a:p>
+          <a:p>
+            <a:pPr marL="514350" indent="-514350">
+              <a:buFont typeface="+mj-lt"/>
+              <a:buAutoNum type="arabicPeriod"/>
+            </a:pPr>
+            <a:r>
+              <a:rPr lang="en-US" dirty="0" err="1"/>
+              <a:t>JFrame</a:t>
+            </a:r>
+            <a:r>
+              <a:rPr lang="en-US" dirty="0"/>
+              <a:t> (</a:t>
+            </a:r>
+            <a:r>
+              <a:rPr lang="en-US" b="1" dirty="0"/>
+              <a:t>extends</a:t>
+            </a:r>
+            <a:r>
+              <a:rPr lang="en-US" dirty="0"/>
+              <a:t> </a:t>
+            </a:r>
+            <a:r>
+              <a:rPr lang="en-US" b="1" dirty="0">
+                <a:solidFill>
+                  <a:srgbClr val="C00000"/>
+                </a:solidFill>
+              </a:rPr>
+              <a:t>Frame</a:t>
+            </a:r>
+            <a:r>
+              <a:rPr lang="en-US" dirty="0"/>
+              <a:t>):</a:t>
+            </a:r>
+          </a:p>
+          <a:p>
+            <a:pPr marL="0" indent="0">
+              <a:buNone/>
+            </a:pPr>
+            <a:r>
+              <a:rPr lang="en-US" dirty="0"/>
+              <a:t>A top-level window that contains the main application window.</a:t>
+            </a:r>
+          </a:p>
+          <a:p>
+            <a:pPr marL="0" indent="0">
+              <a:buNone/>
+            </a:pPr>
+            <a:endParaRPr lang="en-US" dirty="0"/>
+          </a:p>
+          <a:p>
+            <a:pPr marL="0" indent="0">
+              <a:buNone/>
+            </a:pPr>
+            <a:r>
+              <a:rPr lang="en-US" b="1" dirty="0"/>
+              <a:t>2. </a:t>
+            </a:r>
+            <a:r>
+              <a:rPr lang="en-US" b="1" dirty="0" err="1"/>
+              <a:t>JDialog</a:t>
+            </a:r>
+            <a:r>
+              <a:rPr lang="en-US" b="1" dirty="0"/>
+              <a:t> (extends </a:t>
+            </a:r>
+            <a:r>
+              <a:rPr lang="en-US" b="1" dirty="0">
+                <a:solidFill>
+                  <a:srgbClr val="C00000"/>
+                </a:solidFill>
+              </a:rPr>
+              <a:t>Dialog</a:t>
+            </a:r>
+            <a:r>
+              <a:rPr lang="en-US" b="1" dirty="0"/>
+              <a:t>):</a:t>
+            </a:r>
+            <a:endParaRPr lang="en-US" dirty="0"/>
+          </a:p>
+          <a:p>
+            <a:pPr marL="0" indent="0">
+              <a:buNone/>
+            </a:pPr>
+            <a:r>
+              <a:rPr lang="en-US" dirty="0"/>
+              <a:t>A pop-up window for user interaction (e.g., confirmation dialogs).</a:t>
+            </a:r>
+          </a:p>
+          <a:p>
+            <a:pPr marL="0" indent="0">
+              <a:buNone/>
+            </a:pPr>
+            <a:endParaRPr lang="en-US" dirty="0"/>
+          </a:p>
+          <a:p>
+            <a:pPr marL="0" indent="0">
+              <a:buNone/>
+            </a:pPr>
+            <a:r>
+              <a:rPr lang="en-US" b="1" dirty="0"/>
+              <a:t>3. </a:t>
+            </a:r>
+            <a:r>
+              <a:rPr lang="en-US" b="1" dirty="0" err="1"/>
+              <a:t>JWindow</a:t>
+            </a:r>
+            <a:r>
+              <a:rPr lang="en-US" b="1" dirty="0"/>
+              <a:t> (extends </a:t>
+            </a:r>
+            <a:r>
+              <a:rPr lang="en-US" b="1" dirty="0">
+                <a:solidFill>
+                  <a:srgbClr val="C00000"/>
+                </a:solidFill>
+              </a:rPr>
+              <a:t>Window</a:t>
+            </a:r>
+            <a:r>
+              <a:rPr lang="en-US" b="1" dirty="0"/>
+              <a:t>)</a:t>
+            </a:r>
+            <a:endParaRPr lang="en-US" dirty="0"/>
+          </a:p>
+          <a:p>
+            <a:pPr marL="0" indent="0">
+              <a:buNone/>
+            </a:pPr>
+            <a:r>
+              <a:rPr lang="en-US" dirty="0"/>
+              <a:t>A window without any borders or title bar.</a:t>
+            </a:r>
+          </a:p>
+          <a:p>
+            <a:pPr marL="0" indent="0">
+              <a:buNone/>
+            </a:pPr>
+            <a:endParaRPr lang="en-US" dirty="0"/>
+          </a:p>
+          <a:p>
+            <a:pPr marL="0" indent="0">
+              <a:buNone/>
+            </a:pPr>
+            <a:r>
+              <a:rPr lang="en-US" b="1" dirty="0"/>
+              <a:t>4. </a:t>
+            </a:r>
+            <a:r>
+              <a:rPr lang="en-US" b="1" dirty="0" err="1"/>
+              <a:t>JApplet</a:t>
+            </a:r>
+            <a:r>
+              <a:rPr lang="en-US" b="1" dirty="0"/>
+              <a:t> (extends </a:t>
+            </a:r>
+            <a:r>
+              <a:rPr lang="en-US" b="1" dirty="0">
+                <a:solidFill>
+                  <a:srgbClr val="C00000"/>
+                </a:solidFill>
+              </a:rPr>
+              <a:t>Applet</a:t>
+            </a:r>
+            <a:r>
+              <a:rPr lang="en-US" b="1" dirty="0"/>
+              <a:t>):</a:t>
+            </a:r>
+            <a:endParaRPr lang="en-US" dirty="0"/>
+          </a:p>
+          <a:p>
+            <a:pPr marL="0" indent="0">
+              <a:buNone/>
+            </a:pPr>
+            <a:r>
+              <a:rPr lang="en-US" dirty="0"/>
+              <a:t>A container for applets, used in embedding GUI components in web browsers.</a:t>
+            </a:r>
+          </a:p>
+          <a:p>
+            <a:pPr marL="0" indent="0">
+              <a:buNone/>
+            </a:pPr>
+            <a:endParaRPr lang="en-US" dirty="0"/>
+          </a:p>
+          <a:p>
+            <a:pPr marL="0" indent="0">
+              <a:buNone/>
+            </a:pPr>
+            <a:r>
+              <a:rPr lang="en-US" b="1" dirty="0"/>
+              <a:t>5. </a:t>
+            </a:r>
+            <a:r>
+              <a:rPr lang="en-US" b="1" dirty="0" err="1"/>
+              <a:t>JToolBar</a:t>
+            </a:r>
+            <a:r>
+              <a:rPr lang="en-US" b="1" dirty="0"/>
+              <a:t>:</a:t>
+            </a:r>
+          </a:p>
+          <a:p>
+            <a:pPr marL="0" indent="0">
+              <a:buNone/>
+            </a:pPr>
+            <a:r>
+              <a:rPr lang="en-US" dirty="0"/>
+              <a:t>Provides a set of actions or controls, often used for creating toolbars.</a:t>
+            </a:r>
+          </a:p>
+          <a:p>
+            <a:pPr marL="0" indent="0">
+              <a:buNone/>
+            </a:pPr>
+            <a:endParaRPr lang="en-IN" dirty="0"/>
+          </a:p>
+        </p:txBody>
+      </p:sp>
+    </p:spTree>
+    <p:extLst>
+      <p:ext uri="{BB962C8B-B14F-4D97-AF65-F5344CB8AC3E}">
+        <p14:creationId xmlns:p14="http://schemas.microsoft.com/office/powerpoint/2010/main" val="924332043"/>
+      </p:ext>
+    </p:extLst>
+  </p:cSld>
+  <p:clrMapOvr>
+    <a:masterClrMapping/>
+  </p:clrMapOvr>
+</p:sld>
+</file>
+
+<file path=ppt/slides/slide12.xml><?xml version="1.0" encoding="utf-8"?>
+<p:sld xmlns:a="http://schemas.openxmlformats.org/drawingml/2006/main" xmlns:r="http://schemas.openxmlformats.org/officeDocument/2006/relationships" xmlns:p="http://schemas.openxmlformats.org/presentationml/2006/main">
+  <p:cSld>
+    <p:spTree>
+      <p:nvGrpSpPr>
+        <p:cNvPr id="1" name=""/>
+        <p:cNvGrpSpPr/>
+        <p:nvPr/>
+      </p:nvGrpSpPr>
+      <p:grpSpPr>
+        <a:xfrm>
+          <a:off x="0" y="0"/>
+          <a:ext cx="0" cy="0"/>
+          <a:chOff x="0" y="0"/>
+          <a:chExt cx="0" cy="0"/>
+        </a:xfrm>
+      </p:grpSpPr>
+      <p:sp>
+        <p:nvSpPr>
+          <p:cNvPr id="3" name="Content Placeholder 2">
+            <a:extLst>
+              <a:ext uri="{FF2B5EF4-FFF2-40B4-BE49-F238E27FC236}">
+                <a16:creationId xmlns:a16="http://schemas.microsoft.com/office/drawing/2014/main" id="{E42FB284-DAF2-8CB9-9090-285BF2A5822E}"/>
+              </a:ext>
+            </a:extLst>
+          </p:cNvPr>
+          <p:cNvSpPr>
+            <a:spLocks noGrp="1"/>
+          </p:cNvSpPr>
+          <p:nvPr>
+            <p:ph idx="1"/>
+          </p:nvPr>
+        </p:nvSpPr>
+        <p:spPr>
+          <a:xfrm>
+            <a:off x="631722" y="508102"/>
+            <a:ext cx="10803193" cy="5646891"/>
+          </a:xfrm>
+        </p:spPr>
+        <p:txBody>
+          <a:bodyPr>
             <a:normAutofit fontScale="92500" lnSpcReduction="20000"/>
           </a:bodyPr>
           <a:lstStyle/>
@@ -3911,7 +3985,7 @@
 </p:sld>
 </file>
 
-<file path=ppt/slides/slide12.xml><?xml version="1.0" encoding="utf-8"?>
+<file path=ppt/slides/slide13.xml><?xml version="1.0" encoding="utf-8"?>
 <p:sld xmlns:a="http://schemas.openxmlformats.org/drawingml/2006/main" xmlns:r="http://schemas.openxmlformats.org/officeDocument/2006/relationships" xmlns:p="http://schemas.openxmlformats.org/presentationml/2006/main">
   <p:cSld>
     <p:bg>
@@ -5893,71 +5967,6 @@
 </p:sld>
 </file>
 
-<file path=ppt/slides/slide13.xml><?xml version="1.0" encoding="utf-8"?>
-<p:sld xmlns:a="http://schemas.openxmlformats.org/drawingml/2006/main" xmlns:r="http://schemas.openxmlformats.org/officeDocument/2006/relationships" xmlns:p="http://schemas.openxmlformats.org/presentationml/2006/main">
-  <p:cSld>
-    <p:spTree>
-      <p:nvGrpSpPr>
-        <p:cNvPr id="1" name=""/>
-        <p:cNvGrpSpPr/>
-        <p:nvPr/>
-      </p:nvGrpSpPr>
-      <p:grpSpPr>
-        <a:xfrm>
-          <a:off x="0" y="0"/>
-          <a:ext cx="0" cy="0"/>
-          <a:chOff x="0" y="0"/>
-          <a:chExt cx="0" cy="0"/>
-        </a:xfrm>
-      </p:grpSpPr>
-      <p:sp>
-        <p:nvSpPr>
-          <p:cNvPr id="3" name="Content Placeholder 2">
-            <a:extLst>
-              <a:ext uri="{FF2B5EF4-FFF2-40B4-BE49-F238E27FC236}">
-                <a16:creationId xmlns:a16="http://schemas.microsoft.com/office/drawing/2014/main" id="{E42FB284-DAF2-8CB9-9090-285BF2A5822E}"/>
-              </a:ext>
-            </a:extLst>
-          </p:cNvPr>
-          <p:cNvSpPr>
-            <a:spLocks noGrp="1"/>
-          </p:cNvSpPr>
-          <p:nvPr>
-            <p:ph idx="1"/>
-          </p:nvPr>
-        </p:nvSpPr>
-        <p:spPr>
-          <a:xfrm>
-            <a:off x="631722" y="508102"/>
-            <a:ext cx="10803193" cy="5646891"/>
-          </a:xfrm>
-        </p:spPr>
-        <p:txBody>
-          <a:bodyPr>
-            <a:normAutofit/>
-          </a:bodyPr>
-          <a:lstStyle/>
-          <a:p>
-            <a:pPr marL="0" indent="0">
-              <a:buNone/>
-            </a:pPr>
-            <a:endParaRPr lang="en-IN" dirty="0"/>
-          </a:p>
-        </p:txBody>
-      </p:sp>
-    </p:spTree>
-    <p:extLst>
-      <p:ext uri="{BB962C8B-B14F-4D97-AF65-F5344CB8AC3E}">
-        <p14:creationId xmlns:p14="http://schemas.microsoft.com/office/powerpoint/2010/main" val="1708212652"/>
-      </p:ext>
-    </p:extLst>
-  </p:cSld>
-  <p:clrMapOvr>
-    <a:masterClrMapping/>
-  </p:clrMapOvr>
-</p:sld>
-</file>
-
 <file path=ppt/slides/slide14.xml><?xml version="1.0" encoding="utf-8"?>
 <p:sld xmlns:a="http://schemas.openxmlformats.org/drawingml/2006/main" xmlns:r="http://schemas.openxmlformats.org/officeDocument/2006/relationships" xmlns:p="http://schemas.openxmlformats.org/presentationml/2006/main">
   <p:cSld>
@@ -5993,8 +6002,8 @@
         </p:nvSpPr>
         <p:spPr>
           <a:xfrm>
-            <a:off x="631722" y="508102"/>
-            <a:ext cx="10803193" cy="5646891"/>
+            <a:off x="562897" y="1029213"/>
+            <a:ext cx="10803193" cy="3768930"/>
           </a:xfrm>
         </p:spPr>
         <p:txBody>
@@ -6007,12 +6016,29 @@
               <a:buNone/>
             </a:pPr>
             <a:r>
-              <a:rPr lang="en-US" b="1" dirty="0">
-                <a:solidFill>
-                  <a:schemeClr val="tx2"/>
-                </a:solidFill>
-              </a:rPr>
-              <a:t>Module-5: </a:t>
+              <a:rPr lang="en-US" b="1" dirty="0" err="1"/>
+              <a:t>Jframe</a:t>
+            </a:r>
+            <a:r>
+              <a:rPr lang="en-US" b="1" dirty="0"/>
+              <a:t>:</a:t>
+            </a:r>
+          </a:p>
+          <a:p>
+            <a:pPr marL="0" indent="0">
+              <a:buNone/>
+            </a:pPr>
+            <a:r>
+              <a:rPr lang="en-US" dirty="0"/>
+              <a:t>A </a:t>
+            </a:r>
+            <a:r>
+              <a:rPr lang="en-US" dirty="0" err="1"/>
+              <a:t>JFrame</a:t>
+            </a:r>
+            <a:r>
+              <a:rPr lang="en-US" dirty="0"/>
+              <a:t> is one of the most </a:t>
             </a:r>
             <a:r>
               <a:rPr lang="en-US" b="1" dirty="0">
@@ -6020,134 +6046,81 @@
                   <a:srgbClr val="C00000"/>
                 </a:solidFill>
               </a:rPr>
-              <a:t>GUI PROGRAMMING AND APPLETS (6)</a:t>
+              <a:t>important</a:t>
+            </a:r>
+            <a:r>
+              <a:rPr lang="en-US" dirty="0"/>
+              <a:t> classes in the Java Swing library. It is a </a:t>
+            </a:r>
+            <a:r>
+              <a:rPr lang="en-US" b="1" dirty="0">
+                <a:highlight>
+                  <a:srgbClr val="FFFF00"/>
+                </a:highlight>
+              </a:rPr>
+              <a:t>top-level container </a:t>
+            </a:r>
+            <a:r>
+              <a:rPr lang="en-US" dirty="0"/>
+              <a:t>that represents a </a:t>
+            </a:r>
+            <a:r>
+              <a:rPr lang="en-US" b="1" dirty="0"/>
+              <a:t>window</a:t>
+            </a:r>
+            <a:r>
+              <a:rPr lang="en-US" dirty="0"/>
+              <a:t> in a graphical user interface (GUI) application. </a:t>
             </a:r>
           </a:p>
           <a:p>
             <a:pPr marL="0" indent="0">
               <a:buNone/>
             </a:pPr>
-            <a:r>
-              <a:rPr lang="en-US" b="1" dirty="0"/>
-              <a:t>GUI Programming with Java: The AWT class hierarchy, introduction to swing,</a:t>
-            </a:r>
-            <a:r>
-              <a:rPr lang="en-US" dirty="0"/>
-              <a:t> swings Vs AWT, </a:t>
-            </a:r>
-            <a:r>
-              <a:rPr lang="en-US" b="1" dirty="0"/>
-              <a:t>hierarchy for swing components. </a:t>
-            </a:r>
-          </a:p>
-          <a:p>
-            <a:pPr marL="0" indent="0">
-              <a:buNone/>
-            </a:pPr>
-            <a:r>
-              <a:rPr lang="en-US" b="1" dirty="0"/>
-              <a:t>Containers: </a:t>
-            </a:r>
             <a:r>
               <a:rPr lang="en-US" dirty="0" err="1"/>
               <a:t>JFrame</a:t>
             </a:r>
             <a:r>
               <a:rPr lang="en-US" dirty="0"/>
-              <a:t>. </a:t>
-            </a:r>
-            <a:r>
-              <a:rPr lang="en-US" dirty="0" err="1"/>
-              <a:t>JApplet</a:t>
+              <a:t> provides a window with all the standard window features, such as a </a:t>
+            </a:r>
+            <a:r>
+              <a:rPr lang="en-US" b="1" dirty="0">
+                <a:solidFill>
+                  <a:srgbClr val="C00000"/>
+                </a:solidFill>
+              </a:rPr>
+              <a:t>title bar</a:t>
             </a:r>
             <a:r>
               <a:rPr lang="en-US" dirty="0"/>
               <a:t>, </a:t>
             </a:r>
             <a:r>
-              <a:rPr lang="en-US" dirty="0" err="1"/>
-              <a:t>JDialog</a:t>
-            </a:r>
-            <a:r>
-              <a:rPr lang="en-US" dirty="0"/>
-              <a:t>. </a:t>
-            </a:r>
-            <a:r>
-              <a:rPr lang="en-US" dirty="0" err="1"/>
-              <a:t>Jpanel</a:t>
-            </a:r>
-            <a:r>
-              <a:rPr lang="en-US" dirty="0"/>
-              <a:t>, </a:t>
-            </a:r>
-          </a:p>
-          <a:p>
-            <a:pPr marL="0" indent="0">
-              <a:buNone/>
-            </a:pPr>
-            <a:r>
-              <a:rPr lang="en-US" dirty="0"/>
-              <a:t>Overview of some swing components: </a:t>
-            </a:r>
-            <a:r>
-              <a:rPr lang="en-US" dirty="0" err="1"/>
-              <a:t>JButton</a:t>
-            </a:r>
-            <a:r>
-              <a:rPr lang="en-US" dirty="0"/>
-              <a:t>, </a:t>
-            </a:r>
-            <a:r>
-              <a:rPr lang="en-US" dirty="0" err="1"/>
-              <a:t>JLabel</a:t>
-            </a:r>
-            <a:r>
-              <a:rPr lang="en-US" dirty="0"/>
-              <a:t>, </a:t>
-            </a:r>
-            <a:r>
-              <a:rPr lang="en-US" dirty="0" err="1"/>
-              <a:t>JTextField</a:t>
-            </a:r>
-            <a:r>
-              <a:rPr lang="en-US" dirty="0"/>
-              <a:t>, </a:t>
-            </a:r>
-            <a:r>
-              <a:rPr lang="en-US" dirty="0" err="1"/>
-              <a:t>JTextArea</a:t>
-            </a:r>
-            <a:r>
-              <a:rPr lang="en-US" dirty="0"/>
-              <a:t>, simple applications.</a:t>
-            </a:r>
-          </a:p>
-          <a:p>
-            <a:pPr marL="0" indent="0">
-              <a:buNone/>
-            </a:pPr>
-            <a:r>
-              <a:rPr lang="en-US" dirty="0"/>
-              <a:t>Layout management: Layout manager types, border, grid and flow.</a:t>
-            </a:r>
-          </a:p>
-          <a:p>
-            <a:pPr marL="0" indent="0">
-              <a:buNone/>
-            </a:pPr>
-            <a:r>
-              <a:rPr lang="en-US" b="1" dirty="0"/>
-              <a:t>Applets: Inheritance hierarchy for applets</a:t>
-            </a:r>
-            <a:r>
-              <a:rPr lang="en-US" dirty="0"/>
-              <a:t>, differences between applets and applications, life cycle of an applet, passing parameters to applets.</a:t>
-            </a:r>
-          </a:p>
-          <a:p>
-            <a:pPr marL="0" indent="0">
-              <a:buNone/>
-            </a:pPr>
+              <a:rPr lang="en-US" b="1" dirty="0">
+                <a:solidFill>
+                  <a:srgbClr val="C00000"/>
+                </a:solidFill>
+              </a:rPr>
+              <a:t>minimize/maximize buttons</a:t>
+            </a:r>
+            <a:r>
+              <a:rPr lang="en-US" dirty="0"/>
+              <a:t>, and a </a:t>
+            </a:r>
+            <a:r>
+              <a:rPr lang="en-US" b="1" dirty="0">
+                <a:solidFill>
+                  <a:srgbClr val="C00000"/>
+                </a:solidFill>
+              </a:rPr>
+              <a:t>close button</a:t>
+            </a:r>
+            <a:r>
+              <a:rPr lang="en-US" dirty="0"/>
+              <a:t>.</a:t>
+            </a:r>
             <a:endParaRPr lang="en-IN" dirty="0"/>
           </a:p>
         </p:txBody>
@@ -6155,7 +6128,7 @@
     </p:spTree>
     <p:extLst>
       <p:ext uri="{BB962C8B-B14F-4D97-AF65-F5344CB8AC3E}">
-        <p14:creationId xmlns:p14="http://schemas.microsoft.com/office/powerpoint/2010/main" val="1872283677"/>
+        <p14:creationId xmlns:p14="http://schemas.microsoft.com/office/powerpoint/2010/main" val="1708212652"/>
       </p:ext>
     </p:extLst>
   </p:cSld>
@@ -6200,8 +6173,8 @@
         </p:nvSpPr>
         <p:spPr>
           <a:xfrm>
-            <a:off x="694403" y="1402838"/>
-            <a:ext cx="10803193" cy="3464130"/>
+            <a:off x="818159" y="388373"/>
+            <a:ext cx="1934497" cy="652104"/>
           </a:xfrm>
         </p:spPr>
         <p:txBody>
@@ -6214,131 +6187,51 @@
               <a:buNone/>
             </a:pPr>
             <a:r>
-              <a:rPr lang="en-US" b="1" dirty="0">
-                <a:solidFill>
-                  <a:srgbClr val="C00000"/>
-                </a:solidFill>
-              </a:rPr>
-              <a:t>Applet:</a:t>
+              <a:rPr lang="en-US" b="1" dirty="0"/>
+              <a:t>Example:</a:t>
             </a:r>
           </a:p>
           <a:p>
             <a:pPr marL="0" indent="0">
               <a:buNone/>
             </a:pPr>
-            <a:r>
-              <a:rPr lang="en-US" dirty="0"/>
-              <a:t>An </a:t>
-            </a:r>
-            <a:r>
-              <a:rPr lang="en-US" b="1" dirty="0"/>
-              <a:t>applet</a:t>
-            </a:r>
-            <a:r>
-              <a:rPr lang="en-US" dirty="0"/>
-              <a:t> in Java is a </a:t>
-            </a:r>
-            <a:r>
-              <a:rPr lang="en-US" b="1" dirty="0"/>
-              <a:t>small application that can run </a:t>
-            </a:r>
-            <a:r>
-              <a:rPr lang="en-US" dirty="0"/>
-              <a:t>in a </a:t>
-            </a:r>
-            <a:r>
-              <a:rPr lang="en-US" b="1" dirty="0">
-                <a:solidFill>
-                  <a:srgbClr val="C00000"/>
-                </a:solidFill>
-              </a:rPr>
-              <a:t>web browser</a:t>
-            </a:r>
-            <a:r>
-              <a:rPr lang="en-US" dirty="0"/>
-              <a:t> or </a:t>
-            </a:r>
-            <a:r>
-              <a:rPr lang="en-US" b="1" dirty="0">
-                <a:solidFill>
-                  <a:srgbClr val="C00000"/>
-                </a:solidFill>
-              </a:rPr>
-              <a:t>applet viewer</a:t>
-            </a:r>
-            <a:r>
-              <a:rPr lang="en-US" dirty="0"/>
-              <a:t>. </a:t>
-            </a:r>
-          </a:p>
-          <a:p>
-            <a:pPr marL="0" indent="0">
-              <a:buNone/>
-            </a:pPr>
-            <a:r>
-              <a:rPr lang="en-US" dirty="0"/>
-              <a:t>Applets were primarily designed to provide </a:t>
-            </a:r>
-            <a:r>
-              <a:rPr lang="en-US" b="1" dirty="0">
-                <a:solidFill>
-                  <a:srgbClr val="C00000"/>
-                </a:solidFill>
-              </a:rPr>
-              <a:t>interactive features </a:t>
-            </a:r>
-            <a:r>
-              <a:rPr lang="en-US" dirty="0"/>
-              <a:t>in </a:t>
-            </a:r>
-            <a:r>
-              <a:rPr lang="en-US" b="1" dirty="0"/>
-              <a:t>web pages</a:t>
-            </a:r>
-            <a:r>
-              <a:rPr lang="en-US" dirty="0"/>
-              <a:t>, but over time </a:t>
-            </a:r>
-            <a:r>
-              <a:rPr lang="en-US" b="1" dirty="0"/>
-              <a:t>their usage has decreased</a:t>
-            </a:r>
-            <a:r>
-              <a:rPr lang="en-US" dirty="0"/>
-              <a:t>, especially with the shift towards modern web technologies like </a:t>
-            </a:r>
-            <a:r>
-              <a:rPr lang="en-US" b="1" dirty="0"/>
-              <a:t>HTML5</a:t>
-            </a:r>
-            <a:r>
-              <a:rPr lang="en-US" dirty="0"/>
-              <a:t>, </a:t>
-            </a:r>
-            <a:r>
-              <a:rPr lang="en-US" b="1" dirty="0"/>
-              <a:t>JavaScript</a:t>
-            </a:r>
-            <a:r>
-              <a:rPr lang="en-US" dirty="0"/>
-              <a:t>, and </a:t>
-            </a:r>
-            <a:r>
-              <a:rPr lang="en-US" b="1" dirty="0"/>
-              <a:t>CSS</a:t>
-            </a:r>
-            <a:r>
-              <a:rPr lang="en-US" dirty="0"/>
-              <a:t>.</a:t>
-            </a:r>
-            <a:endParaRPr lang="en-IN" dirty="0"/>
+            <a:endParaRPr lang="en-IN" b="1" dirty="0"/>
           </a:p>
         </p:txBody>
       </p:sp>
+      <p:pic>
+        <p:nvPicPr>
+          <p:cNvPr id="6" name="Picture 5">
+            <a:extLst>
+              <a:ext uri="{FF2B5EF4-FFF2-40B4-BE49-F238E27FC236}">
+                <a16:creationId xmlns:a16="http://schemas.microsoft.com/office/drawing/2014/main" id="{B65F34F8-3FEA-7729-5286-20644A3E4132}"/>
+              </a:ext>
+            </a:extLst>
+          </p:cNvPr>
+          <p:cNvPicPr>
+            <a:picLocks noChangeAspect="1"/>
+          </p:cNvPicPr>
+          <p:nvPr/>
+        </p:nvPicPr>
+        <p:blipFill>
+          <a:blip r:embed="rId2"/>
+          <a:srcRect t="1739" b="2319"/>
+          <a:stretch/>
+        </p:blipFill>
+        <p:spPr>
+          <a:xfrm>
+            <a:off x="4486941" y="0"/>
+            <a:ext cx="7705059" cy="6858000"/>
+          </a:xfrm>
+          <a:prstGeom prst="rect">
+            <a:avLst/>
+          </a:prstGeom>
+        </p:spPr>
+      </p:pic>
     </p:spTree>
     <p:extLst>
       <p:ext uri="{BB962C8B-B14F-4D97-AF65-F5344CB8AC3E}">
-        <p14:creationId xmlns:p14="http://schemas.microsoft.com/office/powerpoint/2010/main" val="3093746397"/>
+        <p14:creationId xmlns:p14="http://schemas.microsoft.com/office/powerpoint/2010/main" val="3546167940"/>
       </p:ext>
     </p:extLst>
   </p:cSld>
@@ -6383,26 +6276,67 @@
         </p:nvSpPr>
         <p:spPr>
           <a:xfrm>
-            <a:off x="591164" y="521110"/>
-            <a:ext cx="11009672" cy="5565058"/>
+            <a:off x="631722" y="508102"/>
+            <a:ext cx="10803193" cy="5646891"/>
           </a:xfrm>
         </p:spPr>
         <p:txBody>
           <a:bodyPr>
-            <a:normAutofit lnSpcReduction="10000"/>
+            <a:normAutofit/>
           </a:bodyPr>
           <a:lstStyle/>
           <a:p>
             <a:pPr marL="0" indent="0">
               <a:buNone/>
             </a:pPr>
+            <a:r>
+              <a:rPr lang="en-US" b="1" dirty="0" err="1"/>
+              <a:t>JApplet</a:t>
+            </a:r>
+            <a:r>
+              <a:rPr lang="en-US" b="1" dirty="0"/>
+              <a:t> : </a:t>
+            </a:r>
+          </a:p>
+          <a:p>
+            <a:pPr marL="0" indent="0">
+              <a:buNone/>
+            </a:pPr>
+            <a:r>
+              <a:rPr lang="en-US" dirty="0" err="1"/>
+              <a:t>JApplet</a:t>
+            </a:r>
+            <a:r>
+              <a:rPr lang="en-US" dirty="0"/>
+              <a:t> is a class in the Java Swing library that </a:t>
+            </a:r>
             <a:r>
               <a:rPr lang="en-US" b="1" dirty="0">
                 <a:solidFill>
                   <a:srgbClr val="C00000"/>
                 </a:solidFill>
               </a:rPr>
-              <a:t>What is an Applet?</a:t>
+              <a:t>extends</a:t>
+            </a:r>
+            <a:r>
+              <a:rPr lang="en-US" dirty="0"/>
+              <a:t> the </a:t>
+            </a:r>
+            <a:r>
+              <a:rPr lang="en-US" b="1" dirty="0"/>
+              <a:t>Applet class</a:t>
+            </a:r>
+            <a:r>
+              <a:rPr lang="en-US" dirty="0"/>
+              <a:t> and provides a framework for </a:t>
+            </a:r>
+            <a:r>
+              <a:rPr lang="en-US" b="1" dirty="0"/>
+              <a:t>building applets </a:t>
+            </a:r>
+            <a:r>
+              <a:rPr lang="en-US" dirty="0"/>
+              <a:t>with a Swing-based graphical user interface (GUI). </a:t>
             </a:r>
           </a:p>
           <a:p>
@@ -6411,7 +6345,7 @@
             </a:pPr>
             <a:r>
               <a:rPr lang="en-US" dirty="0"/>
-              <a:t>An applet is a </a:t>
+              <a:t>Applets are small Java programs that are typically </a:t>
             </a:r>
             <a:r>
               <a:rPr lang="en-US" b="1" dirty="0">
@@ -6419,182 +6353,19 @@
                   <a:srgbClr val="C00000"/>
                 </a:solidFill>
               </a:rPr>
-              <a:t>subclass</a:t>
-            </a:r>
-            <a:r>
-              <a:rPr lang="en-US" dirty="0"/>
-              <a:t> of </a:t>
-            </a:r>
-            <a:r>
-              <a:rPr lang="en-US" b="1" dirty="0" err="1"/>
-              <a:t>java.applet.Applet</a:t>
-            </a:r>
-            <a:r>
-              <a:rPr lang="en-US" b="1" dirty="0"/>
-              <a:t> </a:t>
-            </a:r>
-            <a:r>
-              <a:rPr lang="en-US" dirty="0"/>
-              <a:t>or </a:t>
-            </a:r>
-            <a:r>
-              <a:rPr lang="en-US" b="1" dirty="0" err="1"/>
-              <a:t>javax.swing.JApplet</a:t>
-            </a:r>
-            <a:r>
-              <a:rPr lang="en-US" dirty="0"/>
-              <a:t>. </a:t>
-            </a:r>
-          </a:p>
-          <a:p>
-            <a:pPr marL="0" indent="0">
-              <a:buNone/>
-            </a:pPr>
-            <a:r>
-              <a:rPr lang="en-US" dirty="0"/>
-              <a:t>It is a Java program </a:t>
-            </a:r>
-            <a:r>
-              <a:rPr lang="en-US" b="1" dirty="0"/>
-              <a:t>embedded into </a:t>
-            </a:r>
-            <a:r>
-              <a:rPr lang="en-US" b="1" dirty="0">
-                <a:solidFill>
-                  <a:srgbClr val="C00000"/>
-                </a:solidFill>
-              </a:rPr>
-              <a:t>web pages </a:t>
-            </a:r>
-            <a:r>
-              <a:rPr lang="en-US" dirty="0"/>
-              <a:t>and can be executed using a </a:t>
-            </a:r>
-            <a:r>
-              <a:rPr lang="en-US" b="1" dirty="0"/>
-              <a:t>Java-enabled browser </a:t>
-            </a:r>
-            <a:r>
-              <a:rPr lang="en-US" dirty="0"/>
-              <a:t>or an </a:t>
-            </a:r>
-            <a:r>
-              <a:rPr lang="en-US" b="1" dirty="0"/>
-              <a:t>applet viewer tool</a:t>
-            </a:r>
-            <a:r>
-              <a:rPr lang="en-US" dirty="0"/>
-              <a:t>. </a:t>
-            </a:r>
-          </a:p>
-          <a:p>
-            <a:pPr marL="0" indent="0">
-              <a:buNone/>
-            </a:pPr>
-            <a:r>
-              <a:rPr lang="en-US" dirty="0"/>
-              <a:t>Applets are different from standalone applications because they </a:t>
-            </a:r>
-            <a:r>
-              <a:rPr lang="en-US" b="1" dirty="0">
-                <a:solidFill>
-                  <a:srgbClr val="C00000"/>
-                </a:solidFill>
-              </a:rPr>
-              <a:t>don't have a main() method</a:t>
-            </a:r>
-            <a:r>
-              <a:rPr lang="en-US" dirty="0"/>
-              <a:t>. Instead, they rely on </a:t>
-            </a:r>
-            <a:r>
-              <a:rPr lang="en-US" b="1" dirty="0">
-                <a:solidFill>
-                  <a:srgbClr val="C00000"/>
-                </a:solidFill>
-              </a:rPr>
-              <a:t>lifecycle methods </a:t>
-            </a:r>
-            <a:r>
-              <a:rPr lang="en-US" dirty="0"/>
-              <a:t>for execution.</a:t>
-            </a:r>
-          </a:p>
-          <a:p>
-            <a:pPr marL="0" indent="0">
-              <a:buNone/>
-            </a:pPr>
-            <a:r>
-              <a:rPr lang="en-IN" b="1" dirty="0"/>
-              <a:t>Types of Applets:</a:t>
-            </a:r>
-          </a:p>
-          <a:p>
-            <a:r>
-              <a:rPr lang="en-IN" b="1" dirty="0"/>
-              <a:t>AWT Applet (</a:t>
-            </a:r>
-            <a:r>
-              <a:rPr lang="en-IN" b="1" dirty="0" err="1"/>
-              <a:t>java.applet.Applet</a:t>
-            </a:r>
-            <a:r>
-              <a:rPr lang="en-IN" b="1" dirty="0"/>
-              <a:t>): </a:t>
-            </a:r>
-            <a:r>
-              <a:rPr lang="en-IN" dirty="0"/>
-              <a:t>Uses Abstract Window Toolkit (AWT) components like Button, Label, </a:t>
-            </a:r>
-            <a:r>
-              <a:rPr lang="en-IN" dirty="0" err="1"/>
-              <a:t>TextField</a:t>
-            </a:r>
-            <a:r>
-              <a:rPr lang="en-IN" dirty="0"/>
-              <a:t>.</a:t>
-            </a:r>
-          </a:p>
-          <a:p>
-            <a:r>
-              <a:rPr lang="en-IN" b="1" dirty="0"/>
-              <a:t>Swing Applet (</a:t>
-            </a:r>
-            <a:r>
-              <a:rPr lang="en-IN" b="1" dirty="0" err="1"/>
-              <a:t>javax.swing.JApplet</a:t>
-            </a:r>
-            <a:r>
-              <a:rPr lang="en-IN" b="1" dirty="0"/>
-              <a:t>): </a:t>
-            </a:r>
-            <a:r>
-              <a:rPr lang="en-IN" dirty="0"/>
-              <a:t>Uses Swing components like </a:t>
-            </a:r>
-            <a:r>
-              <a:rPr lang="en-IN" dirty="0" err="1"/>
-              <a:t>JButton</a:t>
-            </a:r>
-            <a:r>
-              <a:rPr lang="en-IN" dirty="0"/>
-              <a:t>, </a:t>
-            </a:r>
-            <a:r>
-              <a:rPr lang="en-IN" dirty="0" err="1"/>
-              <a:t>JLabel</a:t>
-            </a:r>
-            <a:r>
-              <a:rPr lang="en-IN" dirty="0"/>
-              <a:t>, </a:t>
-            </a:r>
-            <a:r>
-              <a:rPr lang="en-IN" dirty="0" err="1"/>
-              <a:t>JTextField</a:t>
-            </a:r>
-            <a:r>
-              <a:rPr lang="en-IN" dirty="0"/>
-              <a:t>. It offers more advanced GUI components compared to AWT.</a:t>
+              <a:t>embedded within a web page</a:t>
+            </a:r>
+            <a:r>
+              <a:rPr lang="en-US" dirty="0"/>
+              <a:t> and run in a web browser. </a:t>
+            </a:r>
+            <a:r>
+              <a:rPr lang="en-US" dirty="0" err="1"/>
+              <a:t>JApplet</a:t>
+            </a:r>
+            <a:r>
+              <a:rPr lang="en-US" dirty="0"/>
+              <a:t> was designed to use the rich, lightweight components from Swing, as opposed to the heavyweight AWT components used in Applet.</a:t>
             </a:r>
           </a:p>
         </p:txBody>
@@ -6602,7 +6373,7 @@
     </p:spTree>
     <p:extLst>
       <p:ext uri="{BB962C8B-B14F-4D97-AF65-F5344CB8AC3E}">
-        <p14:creationId xmlns:p14="http://schemas.microsoft.com/office/powerpoint/2010/main" val="3971224754"/>
+        <p14:creationId xmlns:p14="http://schemas.microsoft.com/office/powerpoint/2010/main" val="3798092611"/>
       </p:ext>
     </p:extLst>
   </p:cSld>
@@ -6653,7 +6424,7 @@
         </p:spPr>
         <p:txBody>
           <a:bodyPr>
-            <a:normAutofit/>
+            <a:normAutofit lnSpcReduction="10000"/>
           </a:bodyPr>
           <a:lstStyle/>
           <a:p>
@@ -6661,8 +6432,12 @@
               <a:buNone/>
             </a:pPr>
             <a:r>
+              <a:rPr lang="en-US" b="1" dirty="0" err="1"/>
+              <a:t>JDialog</a:t>
+            </a:r>
+            <a:r>
               <a:rPr lang="en-US" b="1" dirty="0"/>
-              <a:t>Inheritance hierarchy for applets:</a:t>
+              <a:t>:</a:t>
             </a:r>
           </a:p>
           <a:p>
@@ -6670,95 +6445,198 @@
               <a:buNone/>
             </a:pPr>
             <a:r>
-              <a:rPr lang="en-US" dirty="0"/>
-              <a:t>	In Java, applets are part of the class hierarchy that ultimately inherits from the base class </a:t>
+              <a:rPr lang="en-US" dirty="0" err="1"/>
+              <a:t>JDialog</a:t>
+            </a:r>
+            <a:r>
+              <a:rPr lang="en-US" dirty="0"/>
+              <a:t> is a part of the Java Swing library and is used to create </a:t>
+            </a:r>
+            <a:r>
+              <a:rPr lang="en-US" b="1" dirty="0">
+                <a:solidFill>
+                  <a:srgbClr val="C00000"/>
+                </a:solidFill>
+              </a:rPr>
+              <a:t>dialog windows</a:t>
+            </a:r>
+            <a:r>
+              <a:rPr lang="en-US" dirty="0"/>
+              <a:t>, which are smaller windows that appear on top of the main application window (</a:t>
+            </a:r>
+            <a:r>
+              <a:rPr lang="en-US" dirty="0" err="1"/>
+              <a:t>JFrame</a:t>
+            </a:r>
+            <a:r>
+              <a:rPr lang="en-US" dirty="0"/>
+              <a:t>). </a:t>
+            </a:r>
+          </a:p>
+          <a:p>
+            <a:pPr marL="0" indent="0">
+              <a:buNone/>
+            </a:pPr>
+            <a:r>
+              <a:rPr lang="en-US" dirty="0"/>
+              <a:t>Unlike </a:t>
             </a:r>
             <a:r>
               <a:rPr lang="en-US" b="1" dirty="0" err="1"/>
-              <a:t>java.lang.Object</a:t>
-            </a:r>
-            <a:r>
-              <a:rPr lang="en-US" dirty="0"/>
-              <a:t>. Applets can be written using either the Abstract Window Toolkit (AWT) or Swing.</a:t>
-            </a:r>
-          </a:p>
-          <a:p>
-            <a:pPr marL="514350" indent="-514350">
-              <a:buAutoNum type="arabicPeriod"/>
-            </a:pPr>
-            <a:r>
-              <a:rPr lang="en-IN" b="1" dirty="0"/>
-              <a:t>AWT Applet Inheritance Hierarchy:</a:t>
+              <a:t>JFrame</a:t>
+            </a:r>
+            <a:r>
+              <a:rPr lang="en-US" dirty="0"/>
+              <a:t>, which represents a full-fledged window, </a:t>
+            </a:r>
+            <a:r>
+              <a:rPr lang="en-US" dirty="0" err="1"/>
+              <a:t>JDialog</a:t>
+            </a:r>
+            <a:r>
+              <a:rPr lang="en-US" dirty="0"/>
+              <a:t> is typically used for </a:t>
+            </a:r>
+            <a:r>
+              <a:rPr lang="en-US" b="1" dirty="0"/>
+              <a:t>temporary, pop-up windows </a:t>
+            </a:r>
+            <a:r>
+              <a:rPr lang="en-US" dirty="0"/>
+              <a:t>that require user interaction, such as </a:t>
+            </a:r>
+            <a:r>
+              <a:rPr lang="en-US" b="1" dirty="0">
+                <a:solidFill>
+                  <a:srgbClr val="C00000"/>
+                </a:solidFill>
+              </a:rPr>
+              <a:t>alerts</a:t>
+            </a:r>
+            <a:r>
+              <a:rPr lang="en-US" dirty="0"/>
+              <a:t>, </a:t>
+            </a:r>
+            <a:r>
+              <a:rPr lang="en-US" b="1" dirty="0">
+                <a:solidFill>
+                  <a:srgbClr val="C00000"/>
+                </a:solidFill>
+              </a:rPr>
+              <a:t>confirmations</a:t>
+            </a:r>
+            <a:r>
+              <a:rPr lang="en-US" dirty="0"/>
+              <a:t>, or </a:t>
+            </a:r>
+            <a:r>
+              <a:rPr lang="en-US" b="1" dirty="0">
+                <a:solidFill>
+                  <a:srgbClr val="C00000"/>
+                </a:solidFill>
+              </a:rPr>
+              <a:t>input</a:t>
+            </a:r>
+            <a:r>
+              <a:rPr lang="en-US" dirty="0"/>
+              <a:t> </a:t>
+            </a:r>
+            <a:r>
+              <a:rPr lang="en-US" b="1" dirty="0">
+                <a:solidFill>
+                  <a:srgbClr val="C00000"/>
+                </a:solidFill>
+              </a:rPr>
+              <a:t>forms</a:t>
+            </a:r>
+            <a:r>
+              <a:rPr lang="en-US" dirty="0"/>
+              <a:t>.</a:t>
             </a:r>
           </a:p>
           <a:p>
             <a:pPr marL="0" indent="0">
               <a:buNone/>
             </a:pPr>
-            <a:r>
-              <a:rPr lang="en-US" dirty="0"/>
-              <a:t>AWT-based applets inherit from the </a:t>
-            </a:r>
+            <a:endParaRPr lang="en-US" sz="800" dirty="0"/>
+          </a:p>
+          <a:p>
+            <a:pPr marL="0" indent="0">
+              <a:buNone/>
+            </a:pPr>
             <a:r>
               <a:rPr lang="en-US" b="1" dirty="0" err="1"/>
-              <a:t>java.applet.Applet</a:t>
+              <a:t>Jpanel</a:t>
             </a:r>
             <a:r>
               <a:rPr lang="en-US" b="1" dirty="0"/>
+              <a:t>:</a:t>
+            </a:r>
+          </a:p>
+          <a:p>
+            <a:pPr marL="0" indent="0">
+              <a:buNone/>
+            </a:pPr>
+            <a:r>
+              <a:rPr lang="en-US" dirty="0" err="1"/>
+              <a:t>JPanel</a:t>
+            </a:r>
+            <a:r>
+              <a:rPr lang="en-US" dirty="0"/>
+              <a:t> is one of the most commonly used components in the Java Swing library. It is a </a:t>
+            </a:r>
+            <a:r>
+              <a:rPr lang="en-US" b="1" dirty="0">
+                <a:solidFill>
+                  <a:srgbClr val="C00000"/>
+                </a:solidFill>
+              </a:rPr>
+              <a:t>lightweight container </a:t>
+            </a:r>
+            <a:r>
+              <a:rPr lang="en-US" dirty="0"/>
+              <a:t>that can hold and organize a group of components, such as </a:t>
+            </a:r>
+            <a:r>
+              <a:rPr lang="en-US" b="1" dirty="0"/>
+              <a:t>buttons</a:t>
+            </a:r>
+            <a:r>
+              <a:rPr lang="en-US" dirty="0"/>
+              <a:t>, </a:t>
+            </a:r>
+            <a:r>
+              <a:rPr lang="en-US" b="1" dirty="0"/>
+              <a:t>labels</a:t>
+            </a:r>
+            <a:r>
+              <a:rPr lang="en-US" dirty="0"/>
+              <a:t>, </a:t>
+            </a:r>
+            <a:r>
+              <a:rPr lang="en-US" b="1" dirty="0"/>
+              <a:t>text</a:t>
+            </a:r>
+            <a:r>
+              <a:rPr lang="en-US" dirty="0"/>
               <a:t> </a:t>
             </a:r>
             <a:r>
-              <a:rPr lang="en-US" dirty="0"/>
-              <a:t>class, which in turn inherits from other standard Java classes. Here is the detailed inheritance hierarchy:</a:t>
-            </a:r>
-          </a:p>
-          <a:p>
-            <a:pPr marL="0" indent="0">
-              <a:buNone/>
-            </a:pPr>
-            <a:endParaRPr lang="en-US" dirty="0"/>
-          </a:p>
-          <a:p>
-            <a:pPr marL="0" indent="0">
-              <a:buNone/>
-            </a:pPr>
+              <a:rPr lang="en-US" b="1" dirty="0"/>
+              <a:t>fields</a:t>
+            </a:r>
+            <a:r>
+              <a:rPr lang="en-US" dirty="0"/>
+              <a:t>, or other panels. It serves as a flexible, invisible container to help structure the layout of GUI.</a:t>
+            </a:r>
             <a:endParaRPr lang="en-IN" dirty="0"/>
           </a:p>
         </p:txBody>
       </p:sp>
-      <p:pic>
-        <p:nvPicPr>
-          <p:cNvPr id="5" name="Picture 4">
-            <a:extLst>
-              <a:ext uri="{FF2B5EF4-FFF2-40B4-BE49-F238E27FC236}">
-                <a16:creationId xmlns:a16="http://schemas.microsoft.com/office/drawing/2014/main" id="{D3BDE8B5-6F36-6C04-1152-DB8BA0E85DE7}"/>
-              </a:ext>
-            </a:extLst>
-          </p:cNvPr>
-          <p:cNvPicPr>
-            <a:picLocks noChangeAspect="1"/>
-          </p:cNvPicPr>
-          <p:nvPr/>
-        </p:nvPicPr>
-        <p:blipFill>
-          <a:blip r:embed="rId2"/>
-          <a:srcRect r="14840"/>
-          <a:stretch/>
-        </p:blipFill>
-        <p:spPr>
-          <a:xfrm>
-            <a:off x="4350481" y="3717073"/>
-            <a:ext cx="6724966" cy="2939366"/>
-          </a:xfrm>
-          <a:prstGeom prst="rect">
-            <a:avLst/>
-          </a:prstGeom>
-        </p:spPr>
-      </p:pic>
     </p:spTree>
     <p:extLst>
       <p:ext uri="{BB962C8B-B14F-4D97-AF65-F5344CB8AC3E}">
-        <p14:creationId xmlns:p14="http://schemas.microsoft.com/office/powerpoint/2010/main" val="2911604102"/>
+        <p14:creationId xmlns:p14="http://schemas.microsoft.com/office/powerpoint/2010/main" val="1642806465"/>
       </p:ext>
     </p:extLst>
   </p:cSld>
@@ -6803,8 +6681,8 @@
         </p:nvSpPr>
         <p:spPr>
           <a:xfrm>
-            <a:off x="631722" y="508102"/>
-            <a:ext cx="10803193" cy="5646891"/>
+            <a:off x="728441" y="989883"/>
+            <a:ext cx="5011993" cy="3798427"/>
           </a:xfrm>
         </p:spPr>
         <p:txBody>
@@ -6818,43 +6696,67 @@
             </a:pPr>
             <a:r>
               <a:rPr lang="en-US" b="1" dirty="0"/>
-              <a:t>Swing Applet Inheritance Hierarchy:</a:t>
-            </a:r>
-          </a:p>
-          <a:p>
-            <a:pPr marL="0" indent="0">
-              <a:buNone/>
-            </a:pPr>
-            <a:r>
-              <a:rPr lang="en-US" dirty="0"/>
-              <a:t>Swing-based applets inherit from </a:t>
-            </a:r>
+              <a:t>Example: </a:t>
+            </a:r>
+          </a:p>
+          <a:p>
+            <a:pPr marL="514350" indent="-514350">
+              <a:buAutoNum type="arabicPeriod"/>
+            </a:pPr>
             <a:r>
               <a:rPr lang="en-US" b="1" dirty="0" err="1"/>
-              <a:t>javax.swing.JApplet</a:t>
-            </a:r>
-            <a:r>
-              <a:rPr lang="en-US" dirty="0"/>
-              <a:t>, which adds more advanced GUI capabilities by utilizing the Swing toolkit.</a:t>
-            </a:r>
-          </a:p>
-          <a:p>
-            <a:pPr marL="0" indent="0">
-              <a:buNone/>
-            </a:pPr>
-            <a:r>
-              <a:rPr lang="en-IN" b="1" dirty="0"/>
-              <a:t>Hierarchy:</a:t>
-            </a:r>
+              <a:t>JDialog</a:t>
+            </a:r>
+            <a:endParaRPr lang="en-US" b="1" dirty="0"/>
+          </a:p>
+          <a:p>
+            <a:pPr marL="514350" indent="-514350">
+              <a:buAutoNum type="arabicPeriod"/>
+            </a:pPr>
+            <a:r>
+              <a:rPr lang="en-US" b="1" dirty="0" err="1"/>
+              <a:t>Jpanel</a:t>
+            </a:r>
+            <a:endParaRPr lang="en-US" b="1" dirty="0"/>
+          </a:p>
+          <a:p>
+            <a:pPr marL="514350" indent="-514350">
+              <a:buAutoNum type="arabicPeriod"/>
+            </a:pPr>
+            <a:r>
+              <a:rPr lang="en-US" b="1" dirty="0" err="1"/>
+              <a:t>Jlabel</a:t>
+            </a:r>
+            <a:endParaRPr lang="en-US" b="1" dirty="0"/>
+          </a:p>
+          <a:p>
+            <a:pPr marL="514350" indent="-514350">
+              <a:buAutoNum type="arabicPeriod"/>
+            </a:pPr>
+            <a:r>
+              <a:rPr lang="en-US" b="1" dirty="0" err="1"/>
+              <a:t>JTextField</a:t>
+            </a:r>
+            <a:endParaRPr lang="en-US" b="1" dirty="0"/>
+          </a:p>
+          <a:p>
+            <a:pPr marL="514350" indent="-514350">
+              <a:buAutoNum type="arabicPeriod"/>
+            </a:pPr>
+            <a:r>
+              <a:rPr lang="en-US" b="1" dirty="0" err="1"/>
+              <a:t>JButton</a:t>
+            </a:r>
+            <a:endParaRPr lang="en-IN" b="1" dirty="0"/>
           </a:p>
         </p:txBody>
       </p:sp>
       <p:pic>
         <p:nvPicPr>
-          <p:cNvPr id="4" name="Picture 3">
+          <p:cNvPr id="4" name="Picture 3" descr="A screen shot of a computer program&#10;&#10;Description automatically generated">
             <a:extLst>
               <a:ext uri="{FF2B5EF4-FFF2-40B4-BE49-F238E27FC236}">
-                <a16:creationId xmlns:a16="http://schemas.microsoft.com/office/drawing/2014/main" id="{DFF45B44-A501-0E6D-C247-8EC1072F15FD}"/>
+                <a16:creationId xmlns:a16="http://schemas.microsoft.com/office/drawing/2014/main" id="{441EB822-47CA-3DBF-324D-2B3FC590D25C}"/>
               </a:ext>
             </a:extLst>
           </p:cNvPr>
@@ -6864,15 +6766,20 @@
           <p:nvPr/>
         </p:nvPicPr>
         <p:blipFill>
-          <a:blip r:embed="rId2"/>
-          <a:stretch>
-            <a:fillRect/>
-          </a:stretch>
+          <a:blip r:embed="rId2">
+            <a:extLst>
+              <a:ext uri="{28A0092B-C50C-407E-A947-70E740481C1C}">
+                <a14:useLocalDpi xmlns:a14="http://schemas.microsoft.com/office/drawing/2010/main" val="0"/>
+              </a:ext>
+            </a:extLst>
+          </a:blip>
+          <a:srcRect l="3318" t="2609" r="4414" b="4638"/>
+          <a:stretch/>
         </p:blipFill>
         <p:spPr>
           <a:xfrm>
-            <a:off x="1493785" y="2455585"/>
-            <a:ext cx="9466679" cy="3512596"/>
+            <a:off x="6451567" y="3541"/>
+            <a:ext cx="5740433" cy="6854459"/>
           </a:xfrm>
           <a:prstGeom prst="rect">
             <a:avLst/>
@@ -6882,7 +6789,7 @@
     </p:spTree>
     <p:extLst>
       <p:ext uri="{BB962C8B-B14F-4D97-AF65-F5344CB8AC3E}">
-        <p14:creationId xmlns:p14="http://schemas.microsoft.com/office/powerpoint/2010/main" val="787625478"/>
+        <p14:creationId xmlns:p14="http://schemas.microsoft.com/office/powerpoint/2010/main" val="4159970597"/>
       </p:ext>
     </p:extLst>
   </p:cSld>
@@ -6947,7 +6854,7 @@
     </p:spTree>
     <p:extLst>
       <p:ext uri="{BB962C8B-B14F-4D97-AF65-F5344CB8AC3E}">
-        <p14:creationId xmlns:p14="http://schemas.microsoft.com/office/powerpoint/2010/main" val="3141728345"/>
+        <p14:creationId xmlns:p14="http://schemas.microsoft.com/office/powerpoint/2010/main" val="956308483"/>
       </p:ext>
     </p:extLst>
   </p:cSld>
@@ -7089,7 +6996,7 @@
     </p:spTree>
     <p:extLst>
       <p:ext uri="{BB962C8B-B14F-4D97-AF65-F5344CB8AC3E}">
-        <p14:creationId xmlns:p14="http://schemas.microsoft.com/office/powerpoint/2010/main" val="3798092611"/>
+        <p14:creationId xmlns:p14="http://schemas.microsoft.com/office/powerpoint/2010/main" val="375756990"/>
       </p:ext>
     </p:extLst>
   </p:cSld>
@@ -7147,6 +7054,160 @@
             <a:pPr marL="0" indent="0">
               <a:buNone/>
             </a:pPr>
+            <a:r>
+              <a:rPr lang="en-US" b="1" dirty="0">
+                <a:solidFill>
+                  <a:schemeClr val="tx2"/>
+                </a:solidFill>
+              </a:rPr>
+              <a:t>Module-5: </a:t>
+            </a:r>
+            <a:r>
+              <a:rPr lang="en-US" b="1" dirty="0">
+                <a:solidFill>
+                  <a:srgbClr val="C00000"/>
+                </a:solidFill>
+              </a:rPr>
+              <a:t>GUI PROGRAMMING AND APPLETS (6)</a:t>
+            </a:r>
+          </a:p>
+          <a:p>
+            <a:pPr marL="0" indent="0">
+              <a:buNone/>
+            </a:pPr>
+            <a:r>
+              <a:rPr lang="en-US" b="1" dirty="0"/>
+              <a:t>GUI Programming with Java: The AWT class hierarchy, introduction to swing,</a:t>
+            </a:r>
+            <a:r>
+              <a:rPr lang="en-US" dirty="0"/>
+              <a:t> </a:t>
+            </a:r>
+            <a:r>
+              <a:rPr lang="en-US" b="1" dirty="0"/>
+              <a:t>swings Vs AWT</a:t>
+            </a:r>
+            <a:r>
+              <a:rPr lang="en-US" dirty="0"/>
+              <a:t>, </a:t>
+            </a:r>
+            <a:r>
+              <a:rPr lang="en-US" b="1" dirty="0"/>
+              <a:t>hierarchy for swing components. </a:t>
+            </a:r>
+          </a:p>
+          <a:p>
+            <a:pPr marL="0" indent="0">
+              <a:buNone/>
+            </a:pPr>
+            <a:r>
+              <a:rPr lang="en-US" b="1" dirty="0"/>
+              <a:t>Containers: </a:t>
+            </a:r>
+            <a:r>
+              <a:rPr lang="en-US" b="1" dirty="0" err="1"/>
+              <a:t>JFrame</a:t>
+            </a:r>
+            <a:r>
+              <a:rPr lang="en-US" dirty="0"/>
+              <a:t>. </a:t>
+            </a:r>
+            <a:r>
+              <a:rPr lang="en-US" b="1" dirty="0" err="1"/>
+              <a:t>JApplet</a:t>
+            </a:r>
+            <a:r>
+              <a:rPr lang="en-US" dirty="0"/>
+              <a:t>, </a:t>
+            </a:r>
+            <a:r>
+              <a:rPr lang="en-US" b="1" dirty="0" err="1"/>
+              <a:t>JDialog</a:t>
+            </a:r>
+            <a:r>
+              <a:rPr lang="en-US" dirty="0"/>
+              <a:t>. </a:t>
+            </a:r>
+            <a:r>
+              <a:rPr lang="en-US" b="1" dirty="0" err="1"/>
+              <a:t>Jpanel</a:t>
+            </a:r>
+            <a:r>
+              <a:rPr lang="en-US" dirty="0"/>
+              <a:t>, </a:t>
+            </a:r>
+          </a:p>
+          <a:p>
+            <a:pPr marL="0" indent="0">
+              <a:buNone/>
+            </a:pPr>
+            <a:r>
+              <a:rPr lang="en-US" b="1" dirty="0"/>
+              <a:t>Overview of some swing components: </a:t>
+            </a:r>
+            <a:r>
+              <a:rPr lang="en-US" b="1" dirty="0" err="1"/>
+              <a:t>JButton</a:t>
+            </a:r>
+            <a:r>
+              <a:rPr lang="en-US" b="1" dirty="0"/>
+              <a:t>, </a:t>
+            </a:r>
+            <a:r>
+              <a:rPr lang="en-US" b="1" dirty="0" err="1"/>
+              <a:t>JLabel</a:t>
+            </a:r>
+            <a:r>
+              <a:rPr lang="en-US" b="1" dirty="0"/>
+              <a:t>, </a:t>
+            </a:r>
+            <a:r>
+              <a:rPr lang="en-US" b="1" dirty="0" err="1"/>
+              <a:t>JTextField</a:t>
+            </a:r>
+            <a:r>
+              <a:rPr lang="en-US" b="1" dirty="0"/>
+              <a:t>, </a:t>
+            </a:r>
+            <a:r>
+              <a:rPr lang="en-US" b="1" dirty="0" err="1"/>
+              <a:t>JTextArea</a:t>
+            </a:r>
+            <a:r>
+              <a:rPr lang="en-US" b="1" dirty="0"/>
+              <a:t>, simple applications.</a:t>
+            </a:r>
+          </a:p>
+          <a:p>
+            <a:pPr marL="0" indent="0">
+              <a:buNone/>
+            </a:pPr>
+            <a:r>
+              <a:rPr lang="en-US" b="1" dirty="0"/>
+              <a:t>Layout management: </a:t>
+            </a:r>
+            <a:r>
+              <a:rPr lang="en-US" dirty="0"/>
+              <a:t>Layout manager types, border, grid and flow.</a:t>
+            </a:r>
+          </a:p>
+          <a:p>
+            <a:pPr marL="0" indent="0">
+              <a:buNone/>
+            </a:pPr>
+            <a:r>
+              <a:rPr lang="en-US" b="1" dirty="0"/>
+              <a:t>Applets: Inheritance hierarchy for applets</a:t>
+            </a:r>
+            <a:r>
+              <a:rPr lang="en-US" dirty="0"/>
+              <a:t>, differences between applets and applications, life cycle of an applet, passing parameters to applets.</a:t>
+            </a:r>
+          </a:p>
+          <a:p>
+            <a:pPr marL="0" indent="0">
+              <a:buNone/>
+            </a:pPr>
             <a:endParaRPr lang="en-IN" dirty="0"/>
           </a:p>
         </p:txBody>
@@ -7154,7 +7215,7 @@
     </p:spTree>
     <p:extLst>
       <p:ext uri="{BB962C8B-B14F-4D97-AF65-F5344CB8AC3E}">
-        <p14:creationId xmlns:p14="http://schemas.microsoft.com/office/powerpoint/2010/main" val="3086072410"/>
+        <p14:creationId xmlns:p14="http://schemas.microsoft.com/office/powerpoint/2010/main" val="1872283677"/>
       </p:ext>
     </p:extLst>
   </p:cSld>
@@ -7199,8 +7260,8 @@
         </p:nvSpPr>
         <p:spPr>
           <a:xfrm>
-            <a:off x="631722" y="508102"/>
-            <a:ext cx="10803193" cy="5646891"/>
+            <a:off x="694403" y="1402838"/>
+            <a:ext cx="10803193" cy="3464130"/>
           </a:xfrm>
         </p:spPr>
         <p:txBody>
@@ -7212,6 +7273,124 @@
             <a:pPr marL="0" indent="0">
               <a:buNone/>
             </a:pPr>
+            <a:r>
+              <a:rPr lang="en-US" b="1" dirty="0">
+                <a:solidFill>
+                  <a:srgbClr val="C00000"/>
+                </a:solidFill>
+              </a:rPr>
+              <a:t>Applet:</a:t>
+            </a:r>
+          </a:p>
+          <a:p>
+            <a:pPr marL="0" indent="0">
+              <a:buNone/>
+            </a:pPr>
+            <a:r>
+              <a:rPr lang="en-US" dirty="0"/>
+              <a:t>An </a:t>
+            </a:r>
+            <a:r>
+              <a:rPr lang="en-US" b="1" dirty="0"/>
+              <a:t>applet</a:t>
+            </a:r>
+            <a:r>
+              <a:rPr lang="en-US" dirty="0"/>
+              <a:t> in Java is a </a:t>
+            </a:r>
+            <a:r>
+              <a:rPr lang="en-US" b="1" dirty="0"/>
+              <a:t>small application that can run </a:t>
+            </a:r>
+            <a:r>
+              <a:rPr lang="en-US" dirty="0"/>
+              <a:t>in a </a:t>
+            </a:r>
+            <a:r>
+              <a:rPr lang="en-US" b="1" dirty="0">
+                <a:solidFill>
+                  <a:srgbClr val="C00000"/>
+                </a:solidFill>
+              </a:rPr>
+              <a:t>web browser</a:t>
+            </a:r>
+            <a:r>
+              <a:rPr lang="en-US" dirty="0"/>
+              <a:t> or </a:t>
+            </a:r>
+            <a:r>
+              <a:rPr lang="en-US" b="1" dirty="0">
+                <a:solidFill>
+                  <a:srgbClr val="C00000"/>
+                </a:solidFill>
+              </a:rPr>
+              <a:t>applet viewer</a:t>
+            </a:r>
+            <a:r>
+              <a:rPr lang="en-US" dirty="0"/>
+              <a:t>. </a:t>
+            </a:r>
+          </a:p>
+          <a:p>
+            <a:pPr marL="0" indent="0">
+              <a:buNone/>
+            </a:pPr>
+            <a:r>
+              <a:rPr lang="en-US" dirty="0"/>
+              <a:t>Applets were primarily designed to provide </a:t>
+            </a:r>
+            <a:r>
+              <a:rPr lang="en-US" b="1" dirty="0">
+                <a:solidFill>
+                  <a:srgbClr val="C00000"/>
+                </a:solidFill>
+              </a:rPr>
+              <a:t>interactive features </a:t>
+            </a:r>
+            <a:r>
+              <a:rPr lang="en-US" dirty="0"/>
+              <a:t>in </a:t>
+            </a:r>
+            <a:r>
+              <a:rPr lang="en-US" b="1" dirty="0"/>
+              <a:t>web pages</a:t>
+            </a:r>
+            <a:r>
+              <a:rPr lang="en-US" dirty="0"/>
+              <a:t>, but over time </a:t>
+            </a:r>
+            <a:r>
+              <a:rPr lang="en-US" b="1" dirty="0"/>
+              <a:t>their usage has decreased</a:t>
+            </a:r>
+            <a:r>
+              <a:rPr lang="en-US" dirty="0"/>
+              <a:t>, especially with the shift towards modern web technologies like </a:t>
+            </a:r>
+            <a:r>
+              <a:rPr lang="en-US" b="1" dirty="0"/>
+              <a:t>HTML5</a:t>
+            </a:r>
+            <a:r>
+              <a:rPr lang="en-US" dirty="0"/>
+              <a:t>, </a:t>
+            </a:r>
+            <a:r>
+              <a:rPr lang="en-US" b="1" dirty="0"/>
+              <a:t>JavaScript</a:t>
+            </a:r>
+            <a:r>
+              <a:rPr lang="en-US" dirty="0"/>
+              <a:t>, and </a:t>
+            </a:r>
+            <a:r>
+              <a:rPr lang="en-US" b="1" dirty="0"/>
+              <a:t>CSS</a:t>
+            </a:r>
+            <a:r>
+              <a:rPr lang="en-US" dirty="0"/>
+              <a:t>.</a:t>
+            </a:r>
             <a:endParaRPr lang="en-IN" dirty="0"/>
           </a:p>
         </p:txBody>
@@ -7219,7 +7398,7 @@
     </p:spTree>
     <p:extLst>
       <p:ext uri="{BB962C8B-B14F-4D97-AF65-F5344CB8AC3E}">
-        <p14:creationId xmlns:p14="http://schemas.microsoft.com/office/powerpoint/2010/main" val="3546167940"/>
+        <p14:creationId xmlns:p14="http://schemas.microsoft.com/office/powerpoint/2010/main" val="3093746397"/>
       </p:ext>
     </p:extLst>
   </p:cSld>
@@ -7264,27 +7443,226 @@
         </p:nvSpPr>
         <p:spPr>
           <a:xfrm>
-            <a:off x="631722" y="508102"/>
-            <a:ext cx="10803193" cy="5646891"/>
+            <a:off x="591164" y="521110"/>
+            <a:ext cx="11009672" cy="5565058"/>
           </a:xfrm>
         </p:spPr>
         <p:txBody>
           <a:bodyPr>
-            <a:normAutofit/>
+            <a:normAutofit lnSpcReduction="10000"/>
           </a:bodyPr>
           <a:lstStyle/>
           <a:p>
             <a:pPr marL="0" indent="0">
               <a:buNone/>
             </a:pPr>
-            <a:endParaRPr lang="en-IN" dirty="0"/>
+            <a:r>
+              <a:rPr lang="en-US" b="1" dirty="0">
+                <a:solidFill>
+                  <a:srgbClr val="C00000"/>
+                </a:solidFill>
+              </a:rPr>
+              <a:t>What is an Applet?</a:t>
+            </a:r>
+          </a:p>
+          <a:p>
+            <a:pPr marL="0" indent="0">
+              <a:buNone/>
+            </a:pPr>
+            <a:r>
+              <a:rPr lang="en-US" dirty="0"/>
+              <a:t>An applet is a </a:t>
+            </a:r>
+            <a:r>
+              <a:rPr lang="en-US" b="1" dirty="0">
+                <a:solidFill>
+                  <a:srgbClr val="C00000"/>
+                </a:solidFill>
+              </a:rPr>
+              <a:t>subclass</a:t>
+            </a:r>
+            <a:r>
+              <a:rPr lang="en-US" dirty="0"/>
+              <a:t> of </a:t>
+            </a:r>
+            <a:r>
+              <a:rPr lang="en-US" b="1" dirty="0" err="1"/>
+              <a:t>java.applet.Applet</a:t>
+            </a:r>
+            <a:r>
+              <a:rPr lang="en-US" b="1" dirty="0"/>
+              <a:t> </a:t>
+            </a:r>
+            <a:r>
+              <a:rPr lang="en-US" dirty="0"/>
+              <a:t>or </a:t>
+            </a:r>
+            <a:r>
+              <a:rPr lang="en-US" b="1" dirty="0" err="1"/>
+              <a:t>javax.swing.JApplet</a:t>
+            </a:r>
+            <a:r>
+              <a:rPr lang="en-US" dirty="0"/>
+              <a:t>. </a:t>
+            </a:r>
+          </a:p>
+          <a:p>
+            <a:pPr marL="0" indent="0">
+              <a:buNone/>
+            </a:pPr>
+            <a:r>
+              <a:rPr lang="en-US" dirty="0"/>
+              <a:t>It is a Java program </a:t>
+            </a:r>
+            <a:r>
+              <a:rPr lang="en-US" b="1" dirty="0"/>
+              <a:t>embedded into </a:t>
+            </a:r>
+            <a:r>
+              <a:rPr lang="en-US" b="1" dirty="0">
+                <a:solidFill>
+                  <a:srgbClr val="C00000"/>
+                </a:solidFill>
+              </a:rPr>
+              <a:t>web pages </a:t>
+            </a:r>
+            <a:r>
+              <a:rPr lang="en-US" dirty="0"/>
+              <a:t>and can be executed using a </a:t>
+            </a:r>
+            <a:r>
+              <a:rPr lang="en-US" b="1" dirty="0"/>
+              <a:t>Java-enabled browser </a:t>
+            </a:r>
+            <a:r>
+              <a:rPr lang="en-US" dirty="0"/>
+              <a:t>or an </a:t>
+            </a:r>
+            <a:r>
+              <a:rPr lang="en-US" b="1" dirty="0"/>
+              <a:t>applet viewer tool</a:t>
+            </a:r>
+            <a:r>
+              <a:rPr lang="en-US" dirty="0"/>
+              <a:t>. </a:t>
+            </a:r>
+          </a:p>
+          <a:p>
+            <a:pPr marL="0" indent="0">
+              <a:buNone/>
+            </a:pPr>
+            <a:r>
+              <a:rPr lang="en-US" dirty="0"/>
+              <a:t>Applets are different from standalone applications because they </a:t>
+            </a:r>
+            <a:r>
+              <a:rPr lang="en-US" b="1" dirty="0">
+                <a:solidFill>
+                  <a:srgbClr val="C00000"/>
+                </a:solidFill>
+              </a:rPr>
+              <a:t>don't have a main() method</a:t>
+            </a:r>
+            <a:r>
+              <a:rPr lang="en-US" dirty="0"/>
+              <a:t>. Instead, they rely on </a:t>
+            </a:r>
+            <a:r>
+              <a:rPr lang="en-US" b="1" dirty="0">
+                <a:solidFill>
+                  <a:srgbClr val="C00000"/>
+                </a:solidFill>
+              </a:rPr>
+              <a:t>lifecycle methods </a:t>
+            </a:r>
+            <a:r>
+              <a:rPr lang="en-US" dirty="0"/>
+              <a:t>for execution.</a:t>
+            </a:r>
+          </a:p>
+          <a:p>
+            <a:pPr marL="0" indent="0">
+              <a:buNone/>
+            </a:pPr>
+            <a:r>
+              <a:rPr lang="en-IN" b="1" dirty="0"/>
+              <a:t>Types of Applets:</a:t>
+            </a:r>
+          </a:p>
+          <a:p>
+            <a:r>
+              <a:rPr lang="en-IN" b="1" dirty="0"/>
+              <a:t>AWT Applet (</a:t>
+            </a:r>
+            <a:r>
+              <a:rPr lang="en-IN" b="1" dirty="0" err="1"/>
+              <a:t>java.applet.Applet</a:t>
+            </a:r>
+            <a:r>
+              <a:rPr lang="en-IN" b="1" dirty="0"/>
+              <a:t>): </a:t>
+            </a:r>
+            <a:r>
+              <a:rPr lang="en-IN" dirty="0"/>
+              <a:t>Uses Abstract Window Toolkit (AWT) components like Button, Label, </a:t>
+            </a:r>
+            <a:r>
+              <a:rPr lang="en-IN" dirty="0" err="1"/>
+              <a:t>TextField</a:t>
+            </a:r>
+            <a:r>
+              <a:rPr lang="en-IN" dirty="0"/>
+              <a:t>.</a:t>
+            </a:r>
+          </a:p>
+          <a:p>
+            <a:r>
+              <a:rPr lang="en-IN" b="1" dirty="0"/>
+              <a:t>Swing Applet (</a:t>
+            </a:r>
+            <a:r>
+              <a:rPr lang="en-IN" b="1" dirty="0" err="1"/>
+              <a:t>javax.swing.JApplet</a:t>
+            </a:r>
+            <a:r>
+              <a:rPr lang="en-IN" b="1" dirty="0"/>
+              <a:t>): </a:t>
+            </a:r>
+            <a:r>
+              <a:rPr lang="en-IN" dirty="0"/>
+              <a:t>Uses Swing components like </a:t>
+            </a:r>
+            <a:r>
+              <a:rPr lang="en-IN" dirty="0" err="1"/>
+              <a:t>JButton</a:t>
+            </a:r>
+            <a:r>
+              <a:rPr lang="en-IN" dirty="0"/>
+              <a:t>, </a:t>
+            </a:r>
+            <a:r>
+              <a:rPr lang="en-IN" dirty="0" err="1"/>
+              <a:t>JLabel</a:t>
+            </a:r>
+            <a:r>
+              <a:rPr lang="en-IN" dirty="0"/>
+              <a:t>, </a:t>
+            </a:r>
+            <a:r>
+              <a:rPr lang="en-IN" dirty="0" err="1"/>
+              <a:t>JTextField</a:t>
+            </a:r>
+            <a:r>
+              <a:rPr lang="en-IN" dirty="0"/>
+              <a:t>. It offers more advanced GUI components compared to AWT.</a:t>
+            </a:r>
           </a:p>
         </p:txBody>
       </p:sp>
     </p:spTree>
     <p:extLst>
       <p:ext uri="{BB962C8B-B14F-4D97-AF65-F5344CB8AC3E}">
-        <p14:creationId xmlns:p14="http://schemas.microsoft.com/office/powerpoint/2010/main" val="501252276"/>
+        <p14:creationId xmlns:p14="http://schemas.microsoft.com/office/powerpoint/2010/main" val="3971224754"/>
       </p:ext>
     </p:extLst>
   </p:cSld>
@@ -7342,14 +7720,105 @@
             <a:pPr marL="0" indent="0">
               <a:buNone/>
             </a:pPr>
+            <a:r>
+              <a:rPr lang="en-US" b="1" dirty="0"/>
+              <a:t>Inheritance hierarchy for applets:</a:t>
+            </a:r>
+          </a:p>
+          <a:p>
+            <a:pPr marL="0" indent="0">
+              <a:buNone/>
+            </a:pPr>
+            <a:r>
+              <a:rPr lang="en-US" dirty="0"/>
+              <a:t>	In Java, applets are part of the class hierarchy that ultimately inherits from the base class </a:t>
+            </a:r>
+            <a:r>
+              <a:rPr lang="en-US" b="1" dirty="0" err="1"/>
+              <a:t>java.lang.Object</a:t>
+            </a:r>
+            <a:r>
+              <a:rPr lang="en-US" dirty="0"/>
+              <a:t>. Applets can be written using either the Abstract Window Toolkit (AWT) or Swing.</a:t>
+            </a:r>
+          </a:p>
+          <a:p>
+            <a:pPr marL="514350" indent="-514350">
+              <a:buAutoNum type="arabicPeriod"/>
+            </a:pPr>
+            <a:r>
+              <a:rPr lang="en-IN" b="1" dirty="0"/>
+              <a:t>AWT Applet Inheritance Hierarchy:</a:t>
+            </a:r>
+          </a:p>
+          <a:p>
+            <a:pPr marL="0" indent="0">
+              <a:buNone/>
+            </a:pPr>
+            <a:r>
+              <a:rPr lang="en-US" dirty="0"/>
+              <a:t>AWT-based applets inherit from the </a:t>
+            </a:r>
+            <a:r>
+              <a:rPr lang="en-US" b="1" dirty="0" err="1"/>
+              <a:t>java.applet.Applet</a:t>
+            </a:r>
+            <a:r>
+              <a:rPr lang="en-US" b="1" dirty="0"/>
+              <a:t> </a:t>
+            </a:r>
+            <a:r>
+              <a:rPr lang="en-US" dirty="0"/>
+              <a:t>class, which in turn inherits from other standard Java classes. Here is the detailed inheritance hierarchy:</a:t>
+            </a:r>
+          </a:p>
+          <a:p>
+            <a:pPr marL="0" indent="0">
+              <a:buNone/>
+            </a:pPr>
+            <a:endParaRPr lang="en-US" dirty="0"/>
+          </a:p>
+          <a:p>
+            <a:pPr marL="0" indent="0">
+              <a:buNone/>
+            </a:pPr>
             <a:endParaRPr lang="en-IN" dirty="0"/>
           </a:p>
         </p:txBody>
       </p:sp>
+      <p:pic>
+        <p:nvPicPr>
+          <p:cNvPr id="5" name="Picture 4">
+            <a:extLst>
+              <a:ext uri="{FF2B5EF4-FFF2-40B4-BE49-F238E27FC236}">
+                <a16:creationId xmlns:a16="http://schemas.microsoft.com/office/drawing/2014/main" id="{D3BDE8B5-6F36-6C04-1152-DB8BA0E85DE7}"/>
+              </a:ext>
+            </a:extLst>
+          </p:cNvPr>
+          <p:cNvPicPr>
+            <a:picLocks noChangeAspect="1"/>
+          </p:cNvPicPr>
+          <p:nvPr/>
+        </p:nvPicPr>
+        <p:blipFill>
+          <a:blip r:embed="rId2"/>
+          <a:srcRect r="14840"/>
+          <a:stretch/>
+        </p:blipFill>
+        <p:spPr>
+          <a:xfrm>
+            <a:off x="4350481" y="3717073"/>
+            <a:ext cx="6724966" cy="2939366"/>
+          </a:xfrm>
+          <a:prstGeom prst="rect">
+            <a:avLst/>
+          </a:prstGeom>
+        </p:spPr>
+      </p:pic>
     </p:spTree>
     <p:extLst>
       <p:ext uri="{BB962C8B-B14F-4D97-AF65-F5344CB8AC3E}">
-        <p14:creationId xmlns:p14="http://schemas.microsoft.com/office/powerpoint/2010/main" val="1927641747"/>
+        <p14:creationId xmlns:p14="http://schemas.microsoft.com/office/powerpoint/2010/main" val="2911604102"/>
       </p:ext>
     </p:extLst>
   </p:cSld>
@@ -7407,14 +7876,73 @@
             <a:pPr marL="0" indent="0">
               <a:buNone/>
             </a:pPr>
-            <a:endParaRPr lang="en-IN" dirty="0"/>
+            <a:r>
+              <a:rPr lang="en-US" b="1" dirty="0"/>
+              <a:t>Swing Applet Inheritance Hierarchy:</a:t>
+            </a:r>
+          </a:p>
+          <a:p>
+            <a:pPr marL="0" indent="0">
+              <a:buNone/>
+            </a:pPr>
+            <a:r>
+              <a:rPr lang="en-US" dirty="0"/>
+              <a:t>Swing-based applets inherit from </a:t>
+            </a:r>
+            <a:r>
+              <a:rPr lang="en-US" b="1" dirty="0" err="1"/>
+              <a:t>javax.swing.JApplet</a:t>
+            </a:r>
+            <a:r>
+              <a:rPr lang="en-US" dirty="0"/>
+              <a:t>, which adds more advanced GUI capabilities by utilizing the Swing toolkit.</a:t>
+            </a:r>
+          </a:p>
+          <a:p>
+            <a:pPr marL="0" indent="0">
+              <a:buNone/>
+            </a:pPr>
+            <a:r>
+              <a:rPr lang="en-IN" b="1" dirty="0"/>
+              <a:t>Hierarchy:</a:t>
+            </a:r>
           </a:p>
         </p:txBody>
       </p:sp>
+      <p:pic>
+        <p:nvPicPr>
+          <p:cNvPr id="4" name="Picture 3">
+            <a:extLst>
+              <a:ext uri="{FF2B5EF4-FFF2-40B4-BE49-F238E27FC236}">
+                <a16:creationId xmlns:a16="http://schemas.microsoft.com/office/drawing/2014/main" id="{DFF45B44-A501-0E6D-C247-8EC1072F15FD}"/>
+              </a:ext>
+            </a:extLst>
+          </p:cNvPr>
+          <p:cNvPicPr>
+            <a:picLocks noChangeAspect="1"/>
+          </p:cNvPicPr>
+          <p:nvPr/>
+        </p:nvPicPr>
+        <p:blipFill>
+          <a:blip r:embed="rId2"/>
+          <a:stretch>
+            <a:fillRect/>
+          </a:stretch>
+        </p:blipFill>
+        <p:spPr>
+          <a:xfrm>
+            <a:off x="1493785" y="2455585"/>
+            <a:ext cx="9466679" cy="3512596"/>
+          </a:xfrm>
+          <a:prstGeom prst="rect">
+            <a:avLst/>
+          </a:prstGeom>
+        </p:spPr>
+      </p:pic>
     </p:spTree>
     <p:extLst>
       <p:ext uri="{BB962C8B-B14F-4D97-AF65-F5344CB8AC3E}">
-        <p14:creationId xmlns:p14="http://schemas.microsoft.com/office/powerpoint/2010/main" val="3102429716"/>
+        <p14:creationId xmlns:p14="http://schemas.microsoft.com/office/powerpoint/2010/main" val="787625478"/>
       </p:ext>
     </p:extLst>
   </p:cSld>
@@ -7479,7 +8007,202 @@
     </p:spTree>
     <p:extLst>
       <p:ext uri="{BB962C8B-B14F-4D97-AF65-F5344CB8AC3E}">
-        <p14:creationId xmlns:p14="http://schemas.microsoft.com/office/powerpoint/2010/main" val="961872740"/>
+        <p14:creationId xmlns:p14="http://schemas.microsoft.com/office/powerpoint/2010/main" val="3086072410"/>
+      </p:ext>
+    </p:extLst>
+  </p:cSld>
+  <p:clrMapOvr>
+    <a:masterClrMapping/>
+  </p:clrMapOvr>
+</p:sld>
+</file>
+
+<file path=ppt/slides/slide27.xml><?xml version="1.0" encoding="utf-8"?>
+<p:sld xmlns:a="http://schemas.openxmlformats.org/drawingml/2006/main" xmlns:r="http://schemas.openxmlformats.org/officeDocument/2006/relationships" xmlns:p="http://schemas.openxmlformats.org/presentationml/2006/main">
+  <p:cSld>
+    <p:spTree>
+      <p:nvGrpSpPr>
+        <p:cNvPr id="1" name=""/>
+        <p:cNvGrpSpPr/>
+        <p:nvPr/>
+      </p:nvGrpSpPr>
+      <p:grpSpPr>
+        <a:xfrm>
+          <a:off x="0" y="0"/>
+          <a:ext cx="0" cy="0"/>
+          <a:chOff x="0" y="0"/>
+          <a:chExt cx="0" cy="0"/>
+        </a:xfrm>
+      </p:grpSpPr>
+      <p:sp>
+        <p:nvSpPr>
+          <p:cNvPr id="3" name="Content Placeholder 2">
+            <a:extLst>
+              <a:ext uri="{FF2B5EF4-FFF2-40B4-BE49-F238E27FC236}">
+                <a16:creationId xmlns:a16="http://schemas.microsoft.com/office/drawing/2014/main" id="{E42FB284-DAF2-8CB9-9090-285BF2A5822E}"/>
+              </a:ext>
+            </a:extLst>
+          </p:cNvPr>
+          <p:cNvSpPr>
+            <a:spLocks noGrp="1"/>
+          </p:cNvSpPr>
+          <p:nvPr>
+            <p:ph idx="1"/>
+          </p:nvPr>
+        </p:nvSpPr>
+        <p:spPr>
+          <a:xfrm>
+            <a:off x="631722" y="508102"/>
+            <a:ext cx="10803193" cy="5646891"/>
+          </a:xfrm>
+        </p:spPr>
+        <p:txBody>
+          <a:bodyPr>
+            <a:normAutofit/>
+          </a:bodyPr>
+          <a:lstStyle/>
+          <a:p>
+            <a:pPr marL="0" indent="0">
+              <a:buNone/>
+            </a:pPr>
+            <a:endParaRPr lang="en-IN" dirty="0"/>
+          </a:p>
+        </p:txBody>
+      </p:sp>
+    </p:spTree>
+    <p:extLst>
+      <p:ext uri="{BB962C8B-B14F-4D97-AF65-F5344CB8AC3E}">
+        <p14:creationId xmlns:p14="http://schemas.microsoft.com/office/powerpoint/2010/main" val="501252276"/>
+      </p:ext>
+    </p:extLst>
+  </p:cSld>
+  <p:clrMapOvr>
+    <a:masterClrMapping/>
+  </p:clrMapOvr>
+</p:sld>
+</file>
+
+<file path=ppt/slides/slide28.xml><?xml version="1.0" encoding="utf-8"?>
+<p:sld xmlns:a="http://schemas.openxmlformats.org/drawingml/2006/main" xmlns:r="http://schemas.openxmlformats.org/officeDocument/2006/relationships" xmlns:p="http://schemas.openxmlformats.org/presentationml/2006/main">
+  <p:cSld>
+    <p:spTree>
+      <p:nvGrpSpPr>
+        <p:cNvPr id="1" name=""/>
+        <p:cNvGrpSpPr/>
+        <p:nvPr/>
+      </p:nvGrpSpPr>
+      <p:grpSpPr>
+        <a:xfrm>
+          <a:off x="0" y="0"/>
+          <a:ext cx="0" cy="0"/>
+          <a:chOff x="0" y="0"/>
+          <a:chExt cx="0" cy="0"/>
+        </a:xfrm>
+      </p:grpSpPr>
+      <p:sp>
+        <p:nvSpPr>
+          <p:cNvPr id="3" name="Content Placeholder 2">
+            <a:extLst>
+              <a:ext uri="{FF2B5EF4-FFF2-40B4-BE49-F238E27FC236}">
+                <a16:creationId xmlns:a16="http://schemas.microsoft.com/office/drawing/2014/main" id="{E42FB284-DAF2-8CB9-9090-285BF2A5822E}"/>
+              </a:ext>
+            </a:extLst>
+          </p:cNvPr>
+          <p:cNvSpPr>
+            <a:spLocks noGrp="1"/>
+          </p:cNvSpPr>
+          <p:nvPr>
+            <p:ph idx="1"/>
+          </p:nvPr>
+        </p:nvSpPr>
+        <p:spPr>
+          <a:xfrm>
+            <a:off x="631722" y="508102"/>
+            <a:ext cx="10803193" cy="5646891"/>
+          </a:xfrm>
+        </p:spPr>
+        <p:txBody>
+          <a:bodyPr>
+            <a:normAutofit/>
+          </a:bodyPr>
+          <a:lstStyle/>
+          <a:p>
+            <a:pPr marL="0" indent="0">
+              <a:buNone/>
+            </a:pPr>
+            <a:endParaRPr lang="en-IN" dirty="0"/>
+          </a:p>
+        </p:txBody>
+      </p:sp>
+    </p:spTree>
+    <p:extLst>
+      <p:ext uri="{BB962C8B-B14F-4D97-AF65-F5344CB8AC3E}">
+        <p14:creationId xmlns:p14="http://schemas.microsoft.com/office/powerpoint/2010/main" val="1927641747"/>
+      </p:ext>
+    </p:extLst>
+  </p:cSld>
+  <p:clrMapOvr>
+    <a:masterClrMapping/>
+  </p:clrMapOvr>
+</p:sld>
+</file>
+
+<file path=ppt/slides/slide29.xml><?xml version="1.0" encoding="utf-8"?>
+<p:sld xmlns:a="http://schemas.openxmlformats.org/drawingml/2006/main" xmlns:r="http://schemas.openxmlformats.org/officeDocument/2006/relationships" xmlns:p="http://schemas.openxmlformats.org/presentationml/2006/main">
+  <p:cSld>
+    <p:spTree>
+      <p:nvGrpSpPr>
+        <p:cNvPr id="1" name=""/>
+        <p:cNvGrpSpPr/>
+        <p:nvPr/>
+      </p:nvGrpSpPr>
+      <p:grpSpPr>
+        <a:xfrm>
+          <a:off x="0" y="0"/>
+          <a:ext cx="0" cy="0"/>
+          <a:chOff x="0" y="0"/>
+          <a:chExt cx="0" cy="0"/>
+        </a:xfrm>
+      </p:grpSpPr>
+      <p:sp>
+        <p:nvSpPr>
+          <p:cNvPr id="3" name="Content Placeholder 2">
+            <a:extLst>
+              <a:ext uri="{FF2B5EF4-FFF2-40B4-BE49-F238E27FC236}">
+                <a16:creationId xmlns:a16="http://schemas.microsoft.com/office/drawing/2014/main" id="{E42FB284-DAF2-8CB9-9090-285BF2A5822E}"/>
+              </a:ext>
+            </a:extLst>
+          </p:cNvPr>
+          <p:cNvSpPr>
+            <a:spLocks noGrp="1"/>
+          </p:cNvSpPr>
+          <p:nvPr>
+            <p:ph idx="1"/>
+          </p:nvPr>
+        </p:nvSpPr>
+        <p:spPr>
+          <a:xfrm>
+            <a:off x="631722" y="508102"/>
+            <a:ext cx="10803193" cy="5646891"/>
+          </a:xfrm>
+        </p:spPr>
+        <p:txBody>
+          <a:bodyPr>
+            <a:normAutofit/>
+          </a:bodyPr>
+          <a:lstStyle/>
+          <a:p>
+            <a:pPr marL="0" indent="0">
+              <a:buNone/>
+            </a:pPr>
+            <a:endParaRPr lang="en-IN" dirty="0"/>
+          </a:p>
+        </p:txBody>
+      </p:sp>
+    </p:spTree>
+    <p:extLst>
+      <p:ext uri="{BB962C8B-B14F-4D97-AF65-F5344CB8AC3E}">
+        <p14:creationId xmlns:p14="http://schemas.microsoft.com/office/powerpoint/2010/main" val="3102429716"/>
       </p:ext>
     </p:extLst>
   </p:cSld>
@@ -7704,6 +8427,71 @@
     <p:extLst>
       <p:ext uri="{BB962C8B-B14F-4D97-AF65-F5344CB8AC3E}">
         <p14:creationId xmlns:p14="http://schemas.microsoft.com/office/powerpoint/2010/main" val="3166592193"/>
+      </p:ext>
+    </p:extLst>
+  </p:cSld>
+  <p:clrMapOvr>
+    <a:masterClrMapping/>
+  </p:clrMapOvr>
+</p:sld>
+</file>
+
+<file path=ppt/slides/slide30.xml><?xml version="1.0" encoding="utf-8"?>
+<p:sld xmlns:a="http://schemas.openxmlformats.org/drawingml/2006/main" xmlns:r="http://schemas.openxmlformats.org/officeDocument/2006/relationships" xmlns:p="http://schemas.openxmlformats.org/presentationml/2006/main">
+  <p:cSld>
+    <p:spTree>
+      <p:nvGrpSpPr>
+        <p:cNvPr id="1" name=""/>
+        <p:cNvGrpSpPr/>
+        <p:nvPr/>
+      </p:nvGrpSpPr>
+      <p:grpSpPr>
+        <a:xfrm>
+          <a:off x="0" y="0"/>
+          <a:ext cx="0" cy="0"/>
+          <a:chOff x="0" y="0"/>
+          <a:chExt cx="0" cy="0"/>
+        </a:xfrm>
+      </p:grpSpPr>
+      <p:sp>
+        <p:nvSpPr>
+          <p:cNvPr id="3" name="Content Placeholder 2">
+            <a:extLst>
+              <a:ext uri="{FF2B5EF4-FFF2-40B4-BE49-F238E27FC236}">
+                <a16:creationId xmlns:a16="http://schemas.microsoft.com/office/drawing/2014/main" id="{E42FB284-DAF2-8CB9-9090-285BF2A5822E}"/>
+              </a:ext>
+            </a:extLst>
+          </p:cNvPr>
+          <p:cNvSpPr>
+            <a:spLocks noGrp="1"/>
+          </p:cNvSpPr>
+          <p:nvPr>
+            <p:ph idx="1"/>
+          </p:nvPr>
+        </p:nvSpPr>
+        <p:spPr>
+          <a:xfrm>
+            <a:off x="631722" y="508102"/>
+            <a:ext cx="10803193" cy="5646891"/>
+          </a:xfrm>
+        </p:spPr>
+        <p:txBody>
+          <a:bodyPr>
+            <a:normAutofit/>
+          </a:bodyPr>
+          <a:lstStyle/>
+          <a:p>
+            <a:pPr marL="0" indent="0">
+              <a:buNone/>
+            </a:pPr>
+            <a:endParaRPr lang="en-IN" dirty="0"/>
+          </a:p>
+        </p:txBody>
+      </p:sp>
+    </p:spTree>
+    <p:extLst>
+      <p:ext uri="{BB962C8B-B14F-4D97-AF65-F5344CB8AC3E}">
+        <p14:creationId xmlns:p14="http://schemas.microsoft.com/office/powerpoint/2010/main" val="961872740"/>
       </p:ext>
     </p:extLst>
   </p:cSld>

--- a/Theory Class-Notes/Complete Syllabus and Notes/Module-5 GUI and Applet.pptx
+++ b/Theory Class-Notes/Complete Syllabus and Notes/Module-5 GUI and Applet.pptx
@@ -301,7 +301,7 @@
           <a:p>
             <a:fld id="{59B9E13E-1D6B-433A-AB18-F8AB42A78FDE}" type="datetimeFigureOut">
               <a:rPr lang="en-IN" smtClean="0"/>
-              <a:t>04-10-2024</a:t>
+              <a:t>05-10-2024</a:t>
             </a:fld>
             <a:endParaRPr lang="en-IN"/>
           </a:p>
@@ -501,7 +501,7 @@
           <a:p>
             <a:fld id="{59B9E13E-1D6B-433A-AB18-F8AB42A78FDE}" type="datetimeFigureOut">
               <a:rPr lang="en-IN" smtClean="0"/>
-              <a:t>04-10-2024</a:t>
+              <a:t>05-10-2024</a:t>
             </a:fld>
             <a:endParaRPr lang="en-IN"/>
           </a:p>
@@ -711,7 +711,7 @@
           <a:p>
             <a:fld id="{59B9E13E-1D6B-433A-AB18-F8AB42A78FDE}" type="datetimeFigureOut">
               <a:rPr lang="en-IN" smtClean="0"/>
-              <a:t>04-10-2024</a:t>
+              <a:t>05-10-2024</a:t>
             </a:fld>
             <a:endParaRPr lang="en-IN"/>
           </a:p>
@@ -911,7 +911,7 @@
           <a:p>
             <a:fld id="{59B9E13E-1D6B-433A-AB18-F8AB42A78FDE}" type="datetimeFigureOut">
               <a:rPr lang="en-IN" smtClean="0"/>
-              <a:t>04-10-2024</a:t>
+              <a:t>05-10-2024</a:t>
             </a:fld>
             <a:endParaRPr lang="en-IN"/>
           </a:p>
@@ -1187,7 +1187,7 @@
           <a:p>
             <a:fld id="{59B9E13E-1D6B-433A-AB18-F8AB42A78FDE}" type="datetimeFigureOut">
               <a:rPr lang="en-IN" smtClean="0"/>
-              <a:t>04-10-2024</a:t>
+              <a:t>05-10-2024</a:t>
             </a:fld>
             <a:endParaRPr lang="en-IN"/>
           </a:p>
@@ -1455,7 +1455,7 @@
           <a:p>
             <a:fld id="{59B9E13E-1D6B-433A-AB18-F8AB42A78FDE}" type="datetimeFigureOut">
               <a:rPr lang="en-IN" smtClean="0"/>
-              <a:t>04-10-2024</a:t>
+              <a:t>05-10-2024</a:t>
             </a:fld>
             <a:endParaRPr lang="en-IN"/>
           </a:p>
@@ -1870,7 +1870,7 @@
           <a:p>
             <a:fld id="{59B9E13E-1D6B-433A-AB18-F8AB42A78FDE}" type="datetimeFigureOut">
               <a:rPr lang="en-IN" smtClean="0"/>
-              <a:t>04-10-2024</a:t>
+              <a:t>05-10-2024</a:t>
             </a:fld>
             <a:endParaRPr lang="en-IN"/>
           </a:p>
@@ -2012,7 +2012,7 @@
           <a:p>
             <a:fld id="{59B9E13E-1D6B-433A-AB18-F8AB42A78FDE}" type="datetimeFigureOut">
               <a:rPr lang="en-IN" smtClean="0"/>
-              <a:t>04-10-2024</a:t>
+              <a:t>05-10-2024</a:t>
             </a:fld>
             <a:endParaRPr lang="en-IN"/>
           </a:p>
@@ -2125,7 +2125,7 @@
           <a:p>
             <a:fld id="{59B9E13E-1D6B-433A-AB18-F8AB42A78FDE}" type="datetimeFigureOut">
               <a:rPr lang="en-IN" smtClean="0"/>
-              <a:t>04-10-2024</a:t>
+              <a:t>05-10-2024</a:t>
             </a:fld>
             <a:endParaRPr lang="en-IN"/>
           </a:p>
@@ -2438,7 +2438,7 @@
           <a:p>
             <a:fld id="{59B9E13E-1D6B-433A-AB18-F8AB42A78FDE}" type="datetimeFigureOut">
               <a:rPr lang="en-IN" smtClean="0"/>
-              <a:t>04-10-2024</a:t>
+              <a:t>05-10-2024</a:t>
             </a:fld>
             <a:endParaRPr lang="en-IN"/>
           </a:p>
@@ -2727,7 +2727,7 @@
           <a:p>
             <a:fld id="{59B9E13E-1D6B-433A-AB18-F8AB42A78FDE}" type="datetimeFigureOut">
               <a:rPr lang="en-IN" smtClean="0"/>
-              <a:t>04-10-2024</a:t>
+              <a:t>05-10-2024</a:t>
             </a:fld>
             <a:endParaRPr lang="en-IN"/>
           </a:p>
@@ -2970,7 +2970,7 @@
           <a:p>
             <a:fld id="{59B9E13E-1D6B-433A-AB18-F8AB42A78FDE}" type="datetimeFigureOut">
               <a:rPr lang="en-IN" smtClean="0"/>
-              <a:t>04-10-2024</a:t>
+              <a:t>05-10-2024</a:t>
             </a:fld>
             <a:endParaRPr lang="en-IN"/>
           </a:p>
@@ -10057,7 +10057,7 @@
             </a:r>
             <a:r>
               <a:rPr lang="en-US" dirty="0"/>
-              <a:t>. </a:t>
+              <a:t>. To create a Interactive or dynamic Web Page.</a:t>
             </a:r>
           </a:p>
           <a:p>
@@ -10696,7 +10696,7 @@
             </a:pPr>
             <a:r>
               <a:rPr lang="en-US" b="1" dirty="0"/>
-              <a:t>Swing Applet Inheritance Hierarchy:</a:t>
+              <a:t>2. Swing Applet Inheritance Hierarchy:</a:t>
             </a:r>
           </a:p>
           <a:p>
